--- a/AI Industrial Training-1.pptx
+++ b/AI Industrial Training-1.pptx
@@ -5,10 +5,10 @@
     <p:sldMasterId id="2147484168" r:id="rId4"/>
   </p:sldMasterIdLst>
   <p:notesMasterIdLst>
-    <p:notesMasterId r:id="rId24"/>
+    <p:notesMasterId r:id="rId30"/>
   </p:notesMasterIdLst>
   <p:handoutMasterIdLst>
-    <p:handoutMasterId r:id="rId25"/>
+    <p:handoutMasterId r:id="rId31"/>
   </p:handoutMasterIdLst>
   <p:sldIdLst>
     <p:sldId id="329" r:id="rId5"/>
@@ -29,7 +29,13 @@
     <p:sldId id="347" r:id="rId20"/>
     <p:sldId id="348" r:id="rId21"/>
     <p:sldId id="349" r:id="rId22"/>
-    <p:sldId id="342" r:id="rId23"/>
+    <p:sldId id="267" r:id="rId23"/>
+    <p:sldId id="268" r:id="rId24"/>
+    <p:sldId id="269" r:id="rId25"/>
+    <p:sldId id="270" r:id="rId26"/>
+    <p:sldId id="350" r:id="rId27"/>
+    <p:sldId id="352" r:id="rId28"/>
+    <p:sldId id="342" r:id="rId29"/>
   </p:sldIdLst>
   <p:sldSz cx="12192000" cy="6858000"/>
   <p:notesSz cx="6858000" cy="9144000"/>
@@ -139,6 +145,356 @@
 </p:presentation>
 </file>
 
+<file path=ppt/revisionInfo.xml><?xml version="1.0" encoding="utf-8"?>
+<p1510:revInfo xmlns:a="http://schemas.openxmlformats.org/drawingml/2006/main" xmlns:r="http://schemas.openxmlformats.org/officeDocument/2006/relationships" xmlns:p1510="http://schemas.microsoft.com/office/powerpoint/2015/10/main">
+  <p1510:revLst>
+    <p1510:client id="{B5CCA4D5-8985-445C-B477-560136D1B1EB}" v="329" dt="2024-10-24T13:25:05.377"/>
+  </p1510:revLst>
+</p1510:revInfo>
+</file>
+
+<file path=ppt/changesInfos/changesInfo1.xml><?xml version="1.0" encoding="utf-8"?>
+<pc:chgInfo xmlns:a="http://schemas.openxmlformats.org/drawingml/2006/main" xmlns:r="http://schemas.openxmlformats.org/officeDocument/2006/relationships" xmlns:ac="http://schemas.microsoft.com/office/drawing/2013/main/command" xmlns:pc="http://schemas.microsoft.com/office/powerpoint/2013/main/command">
+  <pc:docChgLst>
+    <pc:chgData name="Roshni Yadav" userId="6c22612a50508694" providerId="LiveId" clId="{B5CCA4D5-8985-445C-B477-560136D1B1EB}"/>
+    <pc:docChg chg="custSel addSld delSld modSld">
+      <pc:chgData name="Roshni Yadav" userId="6c22612a50508694" providerId="LiveId" clId="{B5CCA4D5-8985-445C-B477-560136D1B1EB}" dt="2024-10-24T13:24:34.086" v="529" actId="20577"/>
+      <pc:docMkLst>
+        <pc:docMk/>
+      </pc:docMkLst>
+      <pc:sldChg chg="modSp add mod">
+        <pc:chgData name="Roshni Yadav" userId="6c22612a50508694" providerId="LiveId" clId="{B5CCA4D5-8985-445C-B477-560136D1B1EB}" dt="2024-10-24T12:49:52.620" v="75" actId="20577"/>
+        <pc:sldMkLst>
+          <pc:docMk/>
+          <pc:sldMk cId="0" sldId="267"/>
+        </pc:sldMkLst>
+        <pc:spChg chg="mod">
+          <ac:chgData name="Roshni Yadav" userId="6c22612a50508694" providerId="LiveId" clId="{B5CCA4D5-8985-445C-B477-560136D1B1EB}" dt="2024-10-24T12:48:45.080" v="9" actId="1076"/>
+          <ac:spMkLst>
+            <pc:docMk/>
+            <pc:sldMk cId="0" sldId="267"/>
+            <ac:spMk id="2" creationId="{00000000-0000-0000-0000-000000000000}"/>
+          </ac:spMkLst>
+        </pc:spChg>
+        <pc:spChg chg="mod">
+          <ac:chgData name="Roshni Yadav" userId="6c22612a50508694" providerId="LiveId" clId="{B5CCA4D5-8985-445C-B477-560136D1B1EB}" dt="2024-10-24T12:49:52.620" v="75" actId="20577"/>
+          <ac:spMkLst>
+            <pc:docMk/>
+            <pc:sldMk cId="0" sldId="267"/>
+            <ac:spMk id="8" creationId="{24801CE5-22A3-239F-34C9-BE8B975E1A86}"/>
+          </ac:spMkLst>
+        </pc:spChg>
+        <pc:spChg chg="mod">
+          <ac:chgData name="Roshni Yadav" userId="6c22612a50508694" providerId="LiveId" clId="{B5CCA4D5-8985-445C-B477-560136D1B1EB}" dt="2024-10-24T12:49:08.852" v="12" actId="1076"/>
+          <ac:spMkLst>
+            <pc:docMk/>
+            <pc:sldMk cId="0" sldId="267"/>
+            <ac:spMk id="15" creationId="{0C2268CA-02CA-C6C9-ADA4-B96D95935E75}"/>
+          </ac:spMkLst>
+        </pc:spChg>
+      </pc:sldChg>
+      <pc:sldChg chg="modSp add mod">
+        <pc:chgData name="Roshni Yadav" userId="6c22612a50508694" providerId="LiveId" clId="{B5CCA4D5-8985-445C-B477-560136D1B1EB}" dt="2024-10-24T12:51:01.277" v="82" actId="14100"/>
+        <pc:sldMkLst>
+          <pc:docMk/>
+          <pc:sldMk cId="0" sldId="268"/>
+        </pc:sldMkLst>
+        <pc:spChg chg="mod">
+          <ac:chgData name="Roshni Yadav" userId="6c22612a50508694" providerId="LiveId" clId="{B5CCA4D5-8985-445C-B477-560136D1B1EB}" dt="2024-10-24T12:50:47.485" v="79" actId="1076"/>
+          <ac:spMkLst>
+            <pc:docMk/>
+            <pc:sldMk cId="0" sldId="268"/>
+            <ac:spMk id="2" creationId="{00000000-0000-0000-0000-000000000000}"/>
+          </ac:spMkLst>
+        </pc:spChg>
+        <pc:spChg chg="mod">
+          <ac:chgData name="Roshni Yadav" userId="6c22612a50508694" providerId="LiveId" clId="{B5CCA4D5-8985-445C-B477-560136D1B1EB}" dt="2024-10-24T12:50:14.465" v="77" actId="207"/>
+          <ac:spMkLst>
+            <pc:docMk/>
+            <pc:sldMk cId="0" sldId="268"/>
+            <ac:spMk id="3" creationId="{00000000-0000-0000-0000-000000000000}"/>
+          </ac:spMkLst>
+        </pc:spChg>
+        <pc:spChg chg="mod">
+          <ac:chgData name="Roshni Yadav" userId="6c22612a50508694" providerId="LiveId" clId="{B5CCA4D5-8985-445C-B477-560136D1B1EB}" dt="2024-10-24T12:51:01.277" v="82" actId="14100"/>
+          <ac:spMkLst>
+            <pc:docMk/>
+            <pc:sldMk cId="0" sldId="268"/>
+            <ac:spMk id="7" creationId="{FA27C7FA-518C-F7FF-5AEB-F62E8147BC6C}"/>
+          </ac:spMkLst>
+        </pc:spChg>
+      </pc:sldChg>
+      <pc:sldChg chg="modSp add mod">
+        <pc:chgData name="Roshni Yadav" userId="6c22612a50508694" providerId="LiveId" clId="{B5CCA4D5-8985-445C-B477-560136D1B1EB}" dt="2024-10-24T12:51:14.796" v="87" actId="27636"/>
+        <pc:sldMkLst>
+          <pc:docMk/>
+          <pc:sldMk cId="0" sldId="269"/>
+        </pc:sldMkLst>
+        <pc:spChg chg="mod">
+          <ac:chgData name="Roshni Yadav" userId="6c22612a50508694" providerId="LiveId" clId="{B5CCA4D5-8985-445C-B477-560136D1B1EB}" dt="2024-10-24T12:51:11.155" v="85" actId="1076"/>
+          <ac:spMkLst>
+            <pc:docMk/>
+            <pc:sldMk cId="0" sldId="269"/>
+            <ac:spMk id="2" creationId="{00000000-0000-0000-0000-000000000000}"/>
+          </ac:spMkLst>
+        </pc:spChg>
+        <pc:spChg chg="mod">
+          <ac:chgData name="Roshni Yadav" userId="6c22612a50508694" providerId="LiveId" clId="{B5CCA4D5-8985-445C-B477-560136D1B1EB}" dt="2024-10-24T12:51:14.796" v="87" actId="27636"/>
+          <ac:spMkLst>
+            <pc:docMk/>
+            <pc:sldMk cId="0" sldId="269"/>
+            <ac:spMk id="3" creationId="{00000000-0000-0000-0000-000000000000}"/>
+          </ac:spMkLst>
+        </pc:spChg>
+      </pc:sldChg>
+      <pc:sldChg chg="addSp modSp add mod">
+        <pc:chgData name="Roshni Yadav" userId="6c22612a50508694" providerId="LiveId" clId="{B5CCA4D5-8985-445C-B477-560136D1B1EB}" dt="2024-10-24T12:52:42.377" v="107" actId="1076"/>
+        <pc:sldMkLst>
+          <pc:docMk/>
+          <pc:sldMk cId="0" sldId="270"/>
+        </pc:sldMkLst>
+        <pc:spChg chg="mod">
+          <ac:chgData name="Roshni Yadav" userId="6c22612a50508694" providerId="LiveId" clId="{B5CCA4D5-8985-445C-B477-560136D1B1EB}" dt="2024-10-24T12:51:29.194" v="88" actId="1076"/>
+          <ac:spMkLst>
+            <pc:docMk/>
+            <pc:sldMk cId="0" sldId="270"/>
+            <ac:spMk id="2" creationId="{00000000-0000-0000-0000-000000000000}"/>
+          </ac:spMkLst>
+        </pc:spChg>
+        <pc:spChg chg="mod">
+          <ac:chgData name="Roshni Yadav" userId="6c22612a50508694" providerId="LiveId" clId="{B5CCA4D5-8985-445C-B477-560136D1B1EB}" dt="2024-10-24T12:52:31.313" v="104" actId="14100"/>
+          <ac:spMkLst>
+            <pc:docMk/>
+            <pc:sldMk cId="0" sldId="270"/>
+            <ac:spMk id="3" creationId="{00000000-0000-0000-0000-000000000000}"/>
+          </ac:spMkLst>
+        </pc:spChg>
+        <pc:picChg chg="add mod">
+          <ac:chgData name="Roshni Yadav" userId="6c22612a50508694" providerId="LiveId" clId="{B5CCA4D5-8985-445C-B477-560136D1B1EB}" dt="2024-10-24T12:52:42.377" v="107" actId="1076"/>
+          <ac:picMkLst>
+            <pc:docMk/>
+            <pc:sldMk cId="0" sldId="270"/>
+            <ac:picMk id="1026" creationId="{95A59728-05B7-A204-8791-F2A6830B84C1}"/>
+          </ac:picMkLst>
+        </pc:picChg>
+      </pc:sldChg>
+      <pc:sldChg chg="new del">
+        <pc:chgData name="Roshni Yadav" userId="6c22612a50508694" providerId="LiveId" clId="{B5CCA4D5-8985-445C-B477-560136D1B1EB}" dt="2024-10-24T12:50:05.945" v="76" actId="47"/>
+        <pc:sldMkLst>
+          <pc:docMk/>
+          <pc:sldMk cId="1727094103" sldId="350"/>
+        </pc:sldMkLst>
+      </pc:sldChg>
+      <pc:sldChg chg="addSp delSp modSp new mod">
+        <pc:chgData name="Roshni Yadav" userId="6c22612a50508694" providerId="LiveId" clId="{B5CCA4D5-8985-445C-B477-560136D1B1EB}" dt="2024-10-24T13:07:12.991" v="295" actId="14100"/>
+        <pc:sldMkLst>
+          <pc:docMk/>
+          <pc:sldMk cId="3111990743" sldId="350"/>
+        </pc:sldMkLst>
+        <pc:spChg chg="del">
+          <ac:chgData name="Roshni Yadav" userId="6c22612a50508694" providerId="LiveId" clId="{B5CCA4D5-8985-445C-B477-560136D1B1EB}" dt="2024-10-24T12:54:31.587" v="109" actId="478"/>
+          <ac:spMkLst>
+            <pc:docMk/>
+            <pc:sldMk cId="3111990743" sldId="350"/>
+            <ac:spMk id="2" creationId="{39E4BE95-CF85-1987-CB47-64BD339F75A1}"/>
+          </ac:spMkLst>
+        </pc:spChg>
+        <pc:spChg chg="del">
+          <ac:chgData name="Roshni Yadav" userId="6c22612a50508694" providerId="LiveId" clId="{B5CCA4D5-8985-445C-B477-560136D1B1EB}" dt="2024-10-24T12:54:31.587" v="109" actId="478"/>
+          <ac:spMkLst>
+            <pc:docMk/>
+            <pc:sldMk cId="3111990743" sldId="350"/>
+            <ac:spMk id="3" creationId="{6A018780-17EE-DF4C-8280-E5F0A86B1E92}"/>
+          </ac:spMkLst>
+        </pc:spChg>
+        <pc:spChg chg="del">
+          <ac:chgData name="Roshni Yadav" userId="6c22612a50508694" providerId="LiveId" clId="{B5CCA4D5-8985-445C-B477-560136D1B1EB}" dt="2024-10-24T12:54:31.587" v="109" actId="478"/>
+          <ac:spMkLst>
+            <pc:docMk/>
+            <pc:sldMk cId="3111990743" sldId="350"/>
+            <ac:spMk id="4" creationId="{D2B4CC86-E6DE-6749-8CCA-080969445DE7}"/>
+          </ac:spMkLst>
+        </pc:spChg>
+        <pc:spChg chg="del">
+          <ac:chgData name="Roshni Yadav" userId="6c22612a50508694" providerId="LiveId" clId="{B5CCA4D5-8985-445C-B477-560136D1B1EB}" dt="2024-10-24T12:54:31.587" v="109" actId="478"/>
+          <ac:spMkLst>
+            <pc:docMk/>
+            <pc:sldMk cId="3111990743" sldId="350"/>
+            <ac:spMk id="5" creationId="{CFBD383C-0557-E5FC-75BA-284754BD9EDB}"/>
+          </ac:spMkLst>
+        </pc:spChg>
+        <pc:spChg chg="del">
+          <ac:chgData name="Roshni Yadav" userId="6c22612a50508694" providerId="LiveId" clId="{B5CCA4D5-8985-445C-B477-560136D1B1EB}" dt="2024-10-24T12:54:31.587" v="109" actId="478"/>
+          <ac:spMkLst>
+            <pc:docMk/>
+            <pc:sldMk cId="3111990743" sldId="350"/>
+            <ac:spMk id="6" creationId="{601FBB42-97BF-D945-7FA4-C950D0362CE3}"/>
+          </ac:spMkLst>
+        </pc:spChg>
+        <pc:spChg chg="add mod">
+          <ac:chgData name="Roshni Yadav" userId="6c22612a50508694" providerId="LiveId" clId="{B5CCA4D5-8985-445C-B477-560136D1B1EB}" dt="2024-10-24T13:07:09.225" v="294" actId="1076"/>
+          <ac:spMkLst>
+            <pc:docMk/>
+            <pc:sldMk cId="3111990743" sldId="350"/>
+            <ac:spMk id="7" creationId="{3237DB55-A6C3-0228-AB4A-DD4D9C765D2A}"/>
+          </ac:spMkLst>
+        </pc:spChg>
+        <pc:spChg chg="add mod">
+          <ac:chgData name="Roshni Yadav" userId="6c22612a50508694" providerId="LiveId" clId="{B5CCA4D5-8985-445C-B477-560136D1B1EB}" dt="2024-10-24T13:07:12.991" v="295" actId="14100"/>
+          <ac:spMkLst>
+            <pc:docMk/>
+            <pc:sldMk cId="3111990743" sldId="350"/>
+            <ac:spMk id="8" creationId="{99F84FB0-A045-9971-6B88-9AB43B4E24EA}"/>
+          </ac:spMkLst>
+        </pc:spChg>
+        <pc:spChg chg="add">
+          <ac:chgData name="Roshni Yadav" userId="6c22612a50508694" providerId="LiveId" clId="{B5CCA4D5-8985-445C-B477-560136D1B1EB}" dt="2024-10-24T13:03:04.636" v="250"/>
+          <ac:spMkLst>
+            <pc:docMk/>
+            <pc:sldMk cId="3111990743" sldId="350"/>
+            <ac:spMk id="9" creationId="{E953090B-6D16-2BEB-CEC8-25CA204D34EF}"/>
+          </ac:spMkLst>
+        </pc:spChg>
+        <pc:spChg chg="add mod">
+          <ac:chgData name="Roshni Yadav" userId="6c22612a50508694" providerId="LiveId" clId="{B5CCA4D5-8985-445C-B477-560136D1B1EB}" dt="2024-10-24T13:03:14.531" v="252"/>
+          <ac:spMkLst>
+            <pc:docMk/>
+            <pc:sldMk cId="3111990743" sldId="350"/>
+            <ac:spMk id="10" creationId="{8EA0366E-DB6F-CA32-6A0A-F8199FF99776}"/>
+          </ac:spMkLst>
+        </pc:spChg>
+      </pc:sldChg>
+      <pc:sldChg chg="addSp delSp modSp new del mod modClrScheme chgLayout">
+        <pc:chgData name="Roshni Yadav" userId="6c22612a50508694" providerId="LiveId" clId="{B5CCA4D5-8985-445C-B477-560136D1B1EB}" dt="2024-10-24T13:07:51.950" v="300" actId="47"/>
+        <pc:sldMkLst>
+          <pc:docMk/>
+          <pc:sldMk cId="4078758423" sldId="351"/>
+        </pc:sldMkLst>
+        <pc:spChg chg="del">
+          <ac:chgData name="Roshni Yadav" userId="6c22612a50508694" providerId="LiveId" clId="{B5CCA4D5-8985-445C-B477-560136D1B1EB}" dt="2024-10-24T13:07:34.078" v="297" actId="700"/>
+          <ac:spMkLst>
+            <pc:docMk/>
+            <pc:sldMk cId="4078758423" sldId="351"/>
+            <ac:spMk id="2" creationId="{5550EECC-5460-1017-23ED-DF1292171D6D}"/>
+          </ac:spMkLst>
+        </pc:spChg>
+        <pc:spChg chg="del mod ord">
+          <ac:chgData name="Roshni Yadav" userId="6c22612a50508694" providerId="LiveId" clId="{B5CCA4D5-8985-445C-B477-560136D1B1EB}" dt="2024-10-24T13:07:34.078" v="297" actId="700"/>
+          <ac:spMkLst>
+            <pc:docMk/>
+            <pc:sldMk cId="4078758423" sldId="351"/>
+            <ac:spMk id="3" creationId="{47900770-44B0-0094-66DB-09028BD5BACA}"/>
+          </ac:spMkLst>
+        </pc:spChg>
+        <pc:spChg chg="del mod ord">
+          <ac:chgData name="Roshni Yadav" userId="6c22612a50508694" providerId="LiveId" clId="{B5CCA4D5-8985-445C-B477-560136D1B1EB}" dt="2024-10-24T13:07:36.268" v="298" actId="478"/>
+          <ac:spMkLst>
+            <pc:docMk/>
+            <pc:sldMk cId="4078758423" sldId="351"/>
+            <ac:spMk id="4" creationId="{3A915869-97F0-B6FB-A40B-7971E7297ABA}"/>
+          </ac:spMkLst>
+        </pc:spChg>
+        <pc:spChg chg="del mod ord">
+          <ac:chgData name="Roshni Yadav" userId="6c22612a50508694" providerId="LiveId" clId="{B5CCA4D5-8985-445C-B477-560136D1B1EB}" dt="2024-10-24T13:07:34.078" v="297" actId="700"/>
+          <ac:spMkLst>
+            <pc:docMk/>
+            <pc:sldMk cId="4078758423" sldId="351"/>
+            <ac:spMk id="5" creationId="{C2B1A3BD-3828-E6E9-B133-21730458420C}"/>
+          </ac:spMkLst>
+        </pc:spChg>
+        <pc:spChg chg="del mod ord">
+          <ac:chgData name="Roshni Yadav" userId="6c22612a50508694" providerId="LiveId" clId="{B5CCA4D5-8985-445C-B477-560136D1B1EB}" dt="2024-10-24T13:07:36.268" v="298" actId="478"/>
+          <ac:spMkLst>
+            <pc:docMk/>
+            <pc:sldMk cId="4078758423" sldId="351"/>
+            <ac:spMk id="6" creationId="{67B62E34-74C2-85D5-C794-C110582F13F9}"/>
+          </ac:spMkLst>
+        </pc:spChg>
+        <pc:spChg chg="add del mod ord">
+          <ac:chgData name="Roshni Yadav" userId="6c22612a50508694" providerId="LiveId" clId="{B5CCA4D5-8985-445C-B477-560136D1B1EB}" dt="2024-10-24T13:07:36.268" v="298" actId="478"/>
+          <ac:spMkLst>
+            <pc:docMk/>
+            <pc:sldMk cId="4078758423" sldId="351"/>
+            <ac:spMk id="7" creationId="{7E6D4730-D29D-26D8-029D-C0B7EEA9130E}"/>
+          </ac:spMkLst>
+        </pc:spChg>
+        <pc:spChg chg="add del mod ord">
+          <ac:chgData name="Roshni Yadav" userId="6c22612a50508694" providerId="LiveId" clId="{B5CCA4D5-8985-445C-B477-560136D1B1EB}" dt="2024-10-24T13:07:36.268" v="298" actId="478"/>
+          <ac:spMkLst>
+            <pc:docMk/>
+            <pc:sldMk cId="4078758423" sldId="351"/>
+            <ac:spMk id="8" creationId="{DD5F0D15-0169-D54F-8A56-677C5C7841C4}"/>
+          </ac:spMkLst>
+        </pc:spChg>
+        <pc:spChg chg="add del mod ord">
+          <ac:chgData name="Roshni Yadav" userId="6c22612a50508694" providerId="LiveId" clId="{B5CCA4D5-8985-445C-B477-560136D1B1EB}" dt="2024-10-24T13:07:36.268" v="298" actId="478"/>
+          <ac:spMkLst>
+            <pc:docMk/>
+            <pc:sldMk cId="4078758423" sldId="351"/>
+            <ac:spMk id="9" creationId="{ACC9BF05-79B0-DB7E-A1D3-9A82A3F9DF07}"/>
+          </ac:spMkLst>
+        </pc:spChg>
+      </pc:sldChg>
+      <pc:sldChg chg="addSp delSp modSp add mod">
+        <pc:chgData name="Roshni Yadav" userId="6c22612a50508694" providerId="LiveId" clId="{B5CCA4D5-8985-445C-B477-560136D1B1EB}" dt="2024-10-24T13:24:34.086" v="529" actId="20577"/>
+        <pc:sldMkLst>
+          <pc:docMk/>
+          <pc:sldMk cId="1865693275" sldId="352"/>
+        </pc:sldMkLst>
+        <pc:spChg chg="add del mod">
+          <ac:chgData name="Roshni Yadav" userId="6c22612a50508694" providerId="LiveId" clId="{B5CCA4D5-8985-445C-B477-560136D1B1EB}" dt="2024-10-24T13:08:56.534" v="313"/>
+          <ac:spMkLst>
+            <pc:docMk/>
+            <pc:sldMk cId="1865693275" sldId="352"/>
+            <ac:spMk id="2" creationId="{2407031A-4DC2-BAEF-DB78-5CF06C55589C}"/>
+          </ac:spMkLst>
+        </pc:spChg>
+        <pc:spChg chg="add mod">
+          <ac:chgData name="Roshni Yadav" userId="6c22612a50508694" providerId="LiveId" clId="{B5CCA4D5-8985-445C-B477-560136D1B1EB}" dt="2024-10-24T13:08:41.926" v="306"/>
+          <ac:spMkLst>
+            <pc:docMk/>
+            <pc:sldMk cId="1865693275" sldId="352"/>
+            <ac:spMk id="3" creationId="{4763958B-CF5E-EFE3-04B2-B57F2B487722}"/>
+          </ac:spMkLst>
+        </pc:spChg>
+        <pc:spChg chg="add del mod">
+          <ac:chgData name="Roshni Yadav" userId="6c22612a50508694" providerId="LiveId" clId="{B5CCA4D5-8985-445C-B477-560136D1B1EB}" dt="2024-10-24T13:19:43.227" v="374"/>
+          <ac:spMkLst>
+            <pc:docMk/>
+            <pc:sldMk cId="1865693275" sldId="352"/>
+            <ac:spMk id="4" creationId="{18F5BAD2-37ED-B91E-72F0-A1ECC37CFF96}"/>
+          </ac:spMkLst>
+        </pc:spChg>
+        <pc:spChg chg="add del mod">
+          <ac:chgData name="Roshni Yadav" userId="6c22612a50508694" providerId="LiveId" clId="{B5CCA4D5-8985-445C-B477-560136D1B1EB}" dt="2024-10-24T13:19:43.227" v="376"/>
+          <ac:spMkLst>
+            <pc:docMk/>
+            <pc:sldMk cId="1865693275" sldId="352"/>
+            <ac:spMk id="5" creationId="{44CF34FD-9113-3E1E-0D7D-31D6F2A2D8BB}"/>
+          </ac:spMkLst>
+        </pc:spChg>
+        <pc:spChg chg="add">
+          <ac:chgData name="Roshni Yadav" userId="6c22612a50508694" providerId="LiveId" clId="{B5CCA4D5-8985-445C-B477-560136D1B1EB}" dt="2024-10-24T13:19:57.982" v="379"/>
+          <ac:spMkLst>
+            <pc:docMk/>
+            <pc:sldMk cId="1865693275" sldId="352"/>
+            <ac:spMk id="6" creationId="{C7CBA98C-FC63-7C64-9686-50240797F094}"/>
+          </ac:spMkLst>
+        </pc:spChg>
+        <pc:spChg chg="mod">
+          <ac:chgData name="Roshni Yadav" userId="6c22612a50508694" providerId="LiveId" clId="{B5CCA4D5-8985-445C-B477-560136D1B1EB}" dt="2024-10-24T13:24:34.086" v="529" actId="20577"/>
+          <ac:spMkLst>
+            <pc:docMk/>
+            <pc:sldMk cId="1865693275" sldId="352"/>
+            <ac:spMk id="8" creationId="{99F84FB0-A045-9971-6B88-9AB43B4E24EA}"/>
+          </ac:spMkLst>
+        </pc:spChg>
+      </pc:sldChg>
+    </pc:docChg>
+  </pc:docChgLst>
+</pc:chgInfo>
+</file>
+
 <file path=ppt/handoutMasters/handoutMaster1.xml><?xml version="1.0" encoding="utf-8"?>
 <p:handoutMaster xmlns:a="http://schemas.openxmlformats.org/drawingml/2006/main" xmlns:r="http://schemas.openxmlformats.org/officeDocument/2006/relationships" xmlns:p="http://schemas.openxmlformats.org/presentationml/2006/main">
   <p:cSld>
@@ -233,7 +589,7 @@
           <a:p>
             <a:fld id="{1A0A57E1-CEB3-4C96-B7C6-36B0FA3064E4}" type="datetimeFigureOut">
               <a:rPr lang="en-US" smtClean="0"/>
-              <a:t>9/18/2024</a:t>
+              <a:t>10/24/2024</a:t>
             </a:fld>
             <a:endParaRPr lang="en-US" dirty="0"/>
           </a:p>
@@ -410,7 +766,7 @@
           <a:p>
             <a:fld id="{2CF1BBD7-2276-4DDA-BFFE-26CAACEE5E98}" type="datetimeFigureOut">
               <a:rPr lang="en-US" smtClean="0"/>
-              <a:t>9/18/2024</a:t>
+              <a:t>10/24/2024</a:t>
             </a:fld>
             <a:endParaRPr lang="en-US" dirty="0"/>
           </a:p>
@@ -2960,6 +3316,176 @@
     <p:extLst>
       <p:ext uri="{BB962C8B-B14F-4D97-AF65-F5344CB8AC3E}">
         <p14:creationId xmlns:p14="http://schemas.microsoft.com/office/powerpoint/2010/main" val="1448746482"/>
+      </p:ext>
+    </p:extLst>
+  </p:cSld>
+  <p:clrMapOvr>
+    <a:masterClrMapping/>
+  </p:clrMapOvr>
+</p:sldLayout>
+</file>
+
+<file path=ppt/slideLayouts/slideLayout12.xml><?xml version="1.0" encoding="utf-8"?>
+<p:sldLayout xmlns:a="http://schemas.openxmlformats.org/drawingml/2006/main" xmlns:r="http://schemas.openxmlformats.org/officeDocument/2006/relationships" xmlns:p="http://schemas.openxmlformats.org/presentationml/2006/main" type="obj">
+  <p:cSld name="Title and Content">
+    <p:spTree>
+      <p:nvGrpSpPr>
+        <p:cNvPr id="1" name=""/>
+        <p:cNvGrpSpPr/>
+        <p:nvPr/>
+      </p:nvGrpSpPr>
+      <p:grpSpPr>
+        <a:xfrm>
+          <a:off x="0" y="0"/>
+          <a:ext cx="0" cy="0"/>
+          <a:chOff x="0" y="0"/>
+          <a:chExt cx="0" cy="0"/>
+        </a:xfrm>
+      </p:grpSpPr>
+      <p:sp>
+        <p:nvSpPr>
+          <p:cNvPr id="2" name="Title 1"/>
+          <p:cNvSpPr>
+            <a:spLocks noGrp="1"/>
+          </p:cNvSpPr>
+          <p:nvPr>
+            <p:ph type="title"/>
+          </p:nvPr>
+        </p:nvSpPr>
+        <p:spPr/>
+        <p:txBody>
+          <a:bodyPr/>
+          <a:lstStyle/>
+          <a:p>
+            <a:r>
+              <a:rPr lang="en-US"/>
+              <a:t>Click to edit Master title style</a:t>
+            </a:r>
+            <a:endParaRPr lang="en-US" dirty="0"/>
+          </a:p>
+        </p:txBody>
+      </p:sp>
+      <p:sp>
+        <p:nvSpPr>
+          <p:cNvPr id="3" name="Content Placeholder 2"/>
+          <p:cNvSpPr>
+            <a:spLocks noGrp="1"/>
+          </p:cNvSpPr>
+          <p:nvPr>
+            <p:ph idx="1"/>
+          </p:nvPr>
+        </p:nvSpPr>
+        <p:spPr/>
+        <p:txBody>
+          <a:bodyPr/>
+          <a:lstStyle/>
+          <a:p>
+            <a:pPr lvl="0"/>
+            <a:r>
+              <a:rPr lang="en-US"/>
+              <a:t>Click to edit Master text styles</a:t>
+            </a:r>
+          </a:p>
+          <a:p>
+            <a:pPr lvl="1"/>
+            <a:r>
+              <a:rPr lang="en-US"/>
+              <a:t>Second level</a:t>
+            </a:r>
+          </a:p>
+          <a:p>
+            <a:pPr lvl="2"/>
+            <a:r>
+              <a:rPr lang="en-US"/>
+              <a:t>Third level</a:t>
+            </a:r>
+          </a:p>
+          <a:p>
+            <a:pPr lvl="3"/>
+            <a:r>
+              <a:rPr lang="en-US"/>
+              <a:t>Fourth level</a:t>
+            </a:r>
+          </a:p>
+          <a:p>
+            <a:pPr lvl="4"/>
+            <a:r>
+              <a:rPr lang="en-US"/>
+              <a:t>Fifth level</a:t>
+            </a:r>
+            <a:endParaRPr lang="en-US" dirty="0"/>
+          </a:p>
+        </p:txBody>
+      </p:sp>
+      <p:sp>
+        <p:nvSpPr>
+          <p:cNvPr id="7" name="Date Placeholder 3"/>
+          <p:cNvSpPr>
+            <a:spLocks noGrp="1"/>
+          </p:cNvSpPr>
+          <p:nvPr>
+            <p:ph type="dt" sz="half" idx="10"/>
+          </p:nvPr>
+        </p:nvSpPr>
+        <p:spPr/>
+        <p:txBody>
+          <a:bodyPr/>
+          <a:lstStyle/>
+          <a:p>
+            <a:fld id="{5BCAD085-E8A6-8845-BD4E-CB4CCA059FC4}" type="datetimeFigureOut">
+              <a:rPr lang="en-US" smtClean="0"/>
+              <a:t>10/24/2024</a:t>
+            </a:fld>
+            <a:endParaRPr lang="en-US"/>
+          </a:p>
+        </p:txBody>
+      </p:sp>
+      <p:sp>
+        <p:nvSpPr>
+          <p:cNvPr id="5" name="Footer Placeholder 4"/>
+          <p:cNvSpPr>
+            <a:spLocks noGrp="1"/>
+          </p:cNvSpPr>
+          <p:nvPr>
+            <p:ph type="ftr" sz="quarter" idx="11"/>
+          </p:nvPr>
+        </p:nvSpPr>
+        <p:spPr/>
+        <p:txBody>
+          <a:bodyPr/>
+          <a:lstStyle/>
+          <a:p>
+            <a:endParaRPr lang="en-US"/>
+          </a:p>
+        </p:txBody>
+      </p:sp>
+      <p:sp>
+        <p:nvSpPr>
+          <p:cNvPr id="6" name="Slide Number Placeholder 5"/>
+          <p:cNvSpPr>
+            <a:spLocks noGrp="1"/>
+          </p:cNvSpPr>
+          <p:nvPr>
+            <p:ph type="sldNum" sz="quarter" idx="12"/>
+          </p:nvPr>
+        </p:nvSpPr>
+        <p:spPr/>
+        <p:txBody>
+          <a:bodyPr/>
+          <a:lstStyle/>
+          <a:p>
+            <a:fld id="{C1FF6DA9-008F-8B48-92A6-B652298478BF}" type="slidenum">
+              <a:rPr lang="en-US" smtClean="0"/>
+              <a:t>‹#›</a:t>
+            </a:fld>
+            <a:endParaRPr lang="en-US"/>
+          </a:p>
+        </p:txBody>
+      </p:sp>
+    </p:spTree>
+    <p:extLst>
+      <p:ext uri="{BB962C8B-B14F-4D97-AF65-F5344CB8AC3E}">
+        <p14:creationId xmlns:p14="http://schemas.microsoft.com/office/powerpoint/2010/main" val="1825605648"/>
       </p:ext>
     </p:extLst>
   </p:cSld>
@@ -9336,6 +9862,7 @@
     <p:sldLayoutId id="2147484215" r:id="rId9"/>
     <p:sldLayoutId id="2147484216" r:id="rId10"/>
     <p:sldLayoutId id="2147484217" r:id="rId11"/>
+    <p:sldLayoutId id="2147484218" r:id="rId12"/>
   </p:sldLayoutIdLst>
   <p:hf hdr="0" dt="0"/>
   <p:txStyles>
@@ -9736,7 +10263,7 @@
 </file>
 
 <file path=ppt/slides/slide1.xml><?xml version="1.0" encoding="utf-8"?>
-<p:sld xmlns:a="http://schemas.openxmlformats.org/drawingml/2006/main" xmlns:r="http://schemas.openxmlformats.org/officeDocument/2006/relationships" xmlns:p="http://schemas.openxmlformats.org/presentationml/2006/main">
+<p:sld xmlns:a="http://schemas.openxmlformats.org/drawingml/2006/main" xmlns:r="http://schemas.openxmlformats.org/officeDocument/2006/relationships" xmlns:p="http://schemas.openxmlformats.org/presentationml/2006/main" showMasterSp="0">
   <p:cSld>
     <p:bg>
       <p:bgPr>
@@ -16375,13 +16902,7 @@
       </p:grpSpPr>
       <p:sp>
         <p:nvSpPr>
-          <p:cNvPr id="2" name="Title 1">
-            <a:extLst>
-              <a:ext uri="{FF2B5EF4-FFF2-40B4-BE49-F238E27FC236}">
-                <a16:creationId xmlns:a16="http://schemas.microsoft.com/office/drawing/2014/main" id="{6522A09B-19C7-8AF0-A4BD-79DAA48DE97C}"/>
-              </a:ext>
-            </a:extLst>
-          </p:cNvPr>
+          <p:cNvPr id="2" name="Title 1"/>
           <p:cNvSpPr>
             <a:spLocks noGrp="1"/>
           </p:cNvSpPr>
@@ -16391,8 +16912,8 @@
         </p:nvSpPr>
         <p:spPr>
           <a:xfrm>
-            <a:off x="2105572" y="1632262"/>
-            <a:ext cx="8671696" cy="3373515"/>
+            <a:off x="924953" y="111514"/>
+            <a:ext cx="9601196" cy="1303867"/>
           </a:xfrm>
         </p:spPr>
         <p:txBody>
@@ -16401,17 +16922,378 @@
           <a:p>
             <a:r>
               <a:rPr lang="en-IN" dirty="0"/>
-              <a:t>Thank You !!</a:t>
+              <a:t>Confusion Matrix</a:t>
+            </a:r>
+            <a:endParaRPr dirty="0"/>
+          </a:p>
+        </p:txBody>
+      </p:sp>
+      <p:sp>
+        <p:nvSpPr>
+          <p:cNvPr id="8" name="TextBox 7">
+            <a:extLst>
+              <a:ext uri="{FF2B5EF4-FFF2-40B4-BE49-F238E27FC236}">
+                <a16:creationId xmlns:a16="http://schemas.microsoft.com/office/drawing/2014/main" id="{24801CE5-22A3-239F-34C9-BE8B975E1A86}"/>
+              </a:ext>
+            </a:extLst>
+          </p:cNvPr>
+          <p:cNvSpPr txBox="1"/>
+          <p:nvPr/>
+        </p:nvSpPr>
+        <p:spPr>
+          <a:xfrm>
+            <a:off x="1692812" y="1577927"/>
+            <a:ext cx="8804861" cy="4801314"/>
+          </a:xfrm>
+          <a:prstGeom prst="rect">
+            <a:avLst/>
+          </a:prstGeom>
+          <a:noFill/>
+        </p:spPr>
+        <p:txBody>
+          <a:bodyPr wrap="square" rtlCol="0">
+            <a:spAutoFit/>
+          </a:bodyPr>
+          <a:lstStyle/>
+          <a:p>
+            <a:r>
+              <a:rPr lang="en-IN" dirty="0">
+                <a:solidFill>
+                  <a:schemeClr val="bg1"/>
+                </a:solidFill>
+              </a:rPr>
+              <a:t>The confusion matrix is the table used to describe the performance of the classification model. </a:t>
+            </a:r>
+            <a:r>
+              <a:rPr lang="en-GB" dirty="0">
+                <a:solidFill>
+                  <a:schemeClr val="bg1"/>
+                </a:solidFill>
+              </a:rPr>
+              <a:t>It shows the actual versus predicted classifications.</a:t>
+            </a:r>
+          </a:p>
+          <a:p>
+            <a:r>
+              <a:rPr lang="en-IN" dirty="0">
+                <a:solidFill>
+                  <a:schemeClr val="bg1"/>
+                </a:solidFill>
+              </a:rPr>
+              <a:t>      </a:t>
+            </a:r>
+          </a:p>
+          <a:p>
+            <a:r>
+              <a:rPr lang="en-IN" dirty="0">
+                <a:solidFill>
+                  <a:schemeClr val="bg1"/>
+                </a:solidFill>
+              </a:rPr>
+              <a:t>Structure:                                       </a:t>
+            </a:r>
+          </a:p>
+          <a:p>
+            <a:r>
+              <a:rPr lang="en-IN" dirty="0">
+                <a:solidFill>
+                  <a:schemeClr val="bg1"/>
+                </a:solidFill>
+              </a:rPr>
+              <a:t>                                  </a:t>
+            </a:r>
+          </a:p>
+          <a:p>
+            <a:r>
+              <a:rPr lang="en-IN" dirty="0">
+                <a:solidFill>
+                  <a:schemeClr val="bg1"/>
+                </a:solidFill>
+              </a:rPr>
+              <a:t>                         Predicted</a:t>
+            </a:r>
+          </a:p>
+          <a:p>
+            <a:r>
+              <a:rPr lang="en-IN" dirty="0">
+                <a:solidFill>
+                  <a:schemeClr val="bg1"/>
+                </a:solidFill>
+              </a:rPr>
+              <a:t>                  | Positive  | Negative</a:t>
+            </a:r>
+          </a:p>
+          <a:p>
+            <a:r>
+              <a:rPr lang="en-IN" dirty="0">
+                <a:solidFill>
+                  <a:schemeClr val="bg1"/>
+                </a:solidFill>
+              </a:rPr>
+              <a:t>Actual Positive    |    TP    |    FN</a:t>
+            </a:r>
+          </a:p>
+          <a:p>
+            <a:r>
+              <a:rPr lang="en-IN" dirty="0">
+                <a:solidFill>
+                  <a:schemeClr val="bg1"/>
+                </a:solidFill>
+              </a:rPr>
+              <a:t>Actual Negative   |    FP    |    TN</a:t>
+            </a:r>
+          </a:p>
+          <a:p>
+            <a:endParaRPr lang="en-IN" dirty="0">
+              <a:solidFill>
+                <a:schemeClr val="bg1"/>
+              </a:solidFill>
+            </a:endParaRPr>
+          </a:p>
+          <a:p>
+            <a:endParaRPr lang="en-IN" dirty="0">
+              <a:solidFill>
+                <a:schemeClr val="bg1"/>
+              </a:solidFill>
+            </a:endParaRPr>
+          </a:p>
+          <a:p>
+            <a:endParaRPr lang="en-IN" dirty="0">
+              <a:solidFill>
+                <a:schemeClr val="bg1"/>
+              </a:solidFill>
+            </a:endParaRPr>
+          </a:p>
+          <a:p>
+            <a:endParaRPr lang="en-IN" dirty="0">
+              <a:solidFill>
+                <a:schemeClr val="bg1"/>
+              </a:solidFill>
+            </a:endParaRPr>
+          </a:p>
+          <a:p>
+            <a:endParaRPr lang="en-IN" dirty="0">
+              <a:solidFill>
+                <a:schemeClr val="bg1"/>
+              </a:solidFill>
+            </a:endParaRPr>
+          </a:p>
+          <a:p>
+            <a:endParaRPr lang="en-IN" dirty="0">
+              <a:solidFill>
+                <a:schemeClr val="bg1"/>
+              </a:solidFill>
+            </a:endParaRPr>
+          </a:p>
+          <a:p>
+            <a:endParaRPr lang="en-IN" dirty="0">
+              <a:solidFill>
+                <a:schemeClr val="bg1"/>
+              </a:solidFill>
+            </a:endParaRPr>
+          </a:p>
+          <a:p>
+            <a:endParaRPr lang="en-IN" dirty="0">
+              <a:solidFill>
+                <a:schemeClr val="bg1"/>
+              </a:solidFill>
+            </a:endParaRPr>
+          </a:p>
+        </p:txBody>
+      </p:sp>
+      <p:sp>
+        <p:nvSpPr>
+          <p:cNvPr id="15" name="Rectangle 11">
+            <a:extLst>
+              <a:ext uri="{FF2B5EF4-FFF2-40B4-BE49-F238E27FC236}">
+                <a16:creationId xmlns:a16="http://schemas.microsoft.com/office/drawing/2014/main" id="{0C2268CA-02CA-C6C9-ADA4-B96D95935E75}"/>
+              </a:ext>
+            </a:extLst>
+          </p:cNvPr>
+          <p:cNvSpPr>
+            <a:spLocks noChangeArrowheads="1"/>
+          </p:cNvSpPr>
+          <p:nvPr/>
+        </p:nvSpPr>
+        <p:spPr bwMode="auto">
+          <a:xfrm>
+            <a:off x="1182541" y="5178912"/>
+            <a:ext cx="8177303" cy="1200329"/>
+          </a:xfrm>
+          <a:prstGeom prst="rect">
+            <a:avLst/>
+          </a:prstGeom>
+          <a:noFill/>
+          <a:ln>
+            <a:noFill/>
+          </a:ln>
+          <a:effectLst/>
+          <a:extLst>
+            <a:ext uri="{909E8E84-426E-40DD-AFC4-6F175D3DCCD1}">
+              <a14:hiddenFill xmlns:a14="http://schemas.microsoft.com/office/drawing/2010/main">
+                <a:solidFill>
+                  <a:schemeClr val="accent1"/>
+                </a:solidFill>
+              </a14:hiddenFill>
+            </a:ext>
+            <a:ext uri="{91240B29-F687-4F45-9708-019B960494DF}">
+              <a14:hiddenLine xmlns:a14="http://schemas.microsoft.com/office/drawing/2010/main" w="9525">
+                <a:solidFill>
+                  <a:schemeClr val="tx1"/>
+                </a:solidFill>
+                <a:miter lim="800000"/>
+                <a:headEnd/>
+                <a:tailEnd/>
+              </a14:hiddenLine>
+            </a:ext>
+            <a:ext uri="{AF507438-7753-43E0-B8FC-AC1667EBCBE1}">
+              <a14:hiddenEffects xmlns:a14="http://schemas.microsoft.com/office/drawing/2010/main">
+                <a:effectLst>
+                  <a:outerShdw dist="35921" dir="2700000" algn="ctr" rotWithShape="0">
+                    <a:schemeClr val="bg2"/>
+                  </a:outerShdw>
+                </a:effectLst>
+              </a14:hiddenEffects>
+            </a:ext>
+          </a:extLst>
+        </p:spPr>
+        <p:txBody>
+          <a:bodyPr vert="horz" wrap="none" lIns="91440" tIns="45720" rIns="91440" bIns="45720" numCol="1" anchor="ctr" anchorCtr="0" compatLnSpc="1">
+            <a:prstTxWarp prst="textNoShape">
+              <a:avLst/>
+            </a:prstTxWarp>
+            <a:spAutoFit/>
+          </a:bodyPr>
+          <a:lstStyle/>
+          <a:p>
+            <a:pPr defTabSz="914400" eaLnBrk="0" fontAlgn="base" hangingPunct="0">
+              <a:spcBef>
+                <a:spcPct val="0"/>
+              </a:spcBef>
+              <a:spcAft>
+                <a:spcPct val="0"/>
+              </a:spcAft>
+              <a:buFontTx/>
+              <a:buChar char="•"/>
+            </a:pPr>
+            <a:r>
+              <a:rPr lang="en-US" altLang="en-US" b="1" dirty="0">
+                <a:solidFill>
+                  <a:schemeClr val="bg1"/>
+                </a:solidFill>
+                <a:latin typeface="Arial" panose="020B0604020202020204" pitchFamily="34" charset="0"/>
+              </a:rPr>
+              <a:t>TP (True Positive)</a:t>
+            </a:r>
+            <a:r>
+              <a:rPr lang="en-US" altLang="en-US" dirty="0">
+                <a:solidFill>
+                  <a:schemeClr val="bg1"/>
+                </a:solidFill>
+                <a:latin typeface="Arial" panose="020B0604020202020204" pitchFamily="34" charset="0"/>
+              </a:rPr>
+              <a:t>: Actual positive cases correctly predicted as positive.</a:t>
+            </a:r>
+            <a:endParaRPr lang="en-US" altLang="en-US" b="1" dirty="0">
+              <a:solidFill>
+                <a:schemeClr val="bg1"/>
+              </a:solidFill>
+              <a:latin typeface="Arial" panose="020B0604020202020204" pitchFamily="34" charset="0"/>
+            </a:endParaRPr>
+          </a:p>
+          <a:p>
+            <a:pPr defTabSz="914400" eaLnBrk="0" fontAlgn="base" hangingPunct="0">
+              <a:spcBef>
+                <a:spcPct val="0"/>
+              </a:spcBef>
+              <a:spcAft>
+                <a:spcPct val="0"/>
+              </a:spcAft>
+              <a:buFontTx/>
+              <a:buChar char="•"/>
+            </a:pPr>
+            <a:r>
+              <a:rPr lang="en-US" altLang="en-US" b="1" dirty="0">
+                <a:solidFill>
+                  <a:schemeClr val="bg1"/>
+                </a:solidFill>
+                <a:latin typeface="Arial" panose="020B0604020202020204" pitchFamily="34" charset="0"/>
+              </a:rPr>
+              <a:t>TN (True Negative)</a:t>
+            </a:r>
+            <a:r>
+              <a:rPr lang="en-US" altLang="en-US" dirty="0">
+                <a:solidFill>
+                  <a:schemeClr val="bg1"/>
+                </a:solidFill>
+                <a:latin typeface="Arial" panose="020B0604020202020204" pitchFamily="34" charset="0"/>
+              </a:rPr>
+              <a:t>: Actual negative cases correctly predicted as negative.</a:t>
+            </a:r>
+          </a:p>
+          <a:p>
+            <a:pPr defTabSz="914400" eaLnBrk="0" fontAlgn="base" hangingPunct="0">
+              <a:spcBef>
+                <a:spcPct val="0"/>
+              </a:spcBef>
+              <a:spcAft>
+                <a:spcPct val="0"/>
+              </a:spcAft>
+              <a:buFontTx/>
+              <a:buChar char="•"/>
+            </a:pPr>
+            <a:r>
+              <a:rPr lang="en-US" altLang="en-US" b="1" dirty="0">
+                <a:solidFill>
+                  <a:schemeClr val="bg1"/>
+                </a:solidFill>
+                <a:latin typeface="Arial" panose="020B0604020202020204" pitchFamily="34" charset="0"/>
+              </a:rPr>
+              <a:t>FP (False Positive)</a:t>
+            </a:r>
+            <a:r>
+              <a:rPr lang="en-US" altLang="en-US" dirty="0">
+                <a:solidFill>
+                  <a:schemeClr val="bg1"/>
+                </a:solidFill>
+                <a:latin typeface="Arial" panose="020B0604020202020204" pitchFamily="34" charset="0"/>
+              </a:rPr>
+              <a:t>: Actual negative cases incorrectly predicted as positive.</a:t>
+            </a:r>
+          </a:p>
+          <a:p>
+            <a:pPr defTabSz="914400" eaLnBrk="0" fontAlgn="base" hangingPunct="0">
+              <a:spcBef>
+                <a:spcPct val="0"/>
+              </a:spcBef>
+              <a:spcAft>
+                <a:spcPct val="0"/>
+              </a:spcAft>
+              <a:buFontTx/>
+              <a:buChar char="•"/>
+            </a:pPr>
+            <a:r>
+              <a:rPr lang="en-US" altLang="en-US" b="1" dirty="0">
+                <a:solidFill>
+                  <a:schemeClr val="bg1"/>
+                </a:solidFill>
+                <a:latin typeface="Arial" panose="020B0604020202020204" pitchFamily="34" charset="0"/>
+              </a:rPr>
+              <a:t>FN (False Negative)</a:t>
+            </a:r>
+            <a:r>
+              <a:rPr lang="en-US" altLang="en-US" dirty="0">
+                <a:solidFill>
+                  <a:schemeClr val="bg1"/>
+                </a:solidFill>
+                <a:latin typeface="Arial" panose="020B0604020202020204" pitchFamily="34" charset="0"/>
+              </a:rPr>
+              <a:t>: Actual positive cases incorrectly predicted as negative. </a:t>
             </a:r>
           </a:p>
         </p:txBody>
       </p:sp>
     </p:spTree>
-    <p:extLst>
-      <p:ext uri="{BB962C8B-B14F-4D97-AF65-F5344CB8AC3E}">
-        <p14:creationId xmlns:p14="http://schemas.microsoft.com/office/powerpoint/2010/main" val="2208676652"/>
-      </p:ext>
-    </p:extLst>
   </p:cSld>
   <p:clrMapOvr>
     <a:masterClrMapping/>
@@ -16754,6 +17636,2764 @@
     <p:extLst>
       <p:ext uri="{BB962C8B-B14F-4D97-AF65-F5344CB8AC3E}">
         <p14:creationId xmlns:p14="http://schemas.microsoft.com/office/powerpoint/2010/main" val="2663399552"/>
+      </p:ext>
+    </p:extLst>
+  </p:cSld>
+  <p:clrMapOvr>
+    <a:masterClrMapping/>
+  </p:clrMapOvr>
+</p:sld>
+</file>
+
+<file path=ppt/slides/slide20.xml><?xml version="1.0" encoding="utf-8"?>
+<p:sld xmlns:a="http://schemas.openxmlformats.org/drawingml/2006/main" xmlns:r="http://schemas.openxmlformats.org/officeDocument/2006/relationships" xmlns:p="http://schemas.openxmlformats.org/presentationml/2006/main">
+  <p:cSld>
+    <p:spTree>
+      <p:nvGrpSpPr>
+        <p:cNvPr id="1" name=""/>
+        <p:cNvGrpSpPr/>
+        <p:nvPr/>
+      </p:nvGrpSpPr>
+      <p:grpSpPr>
+        <a:xfrm>
+          <a:off x="0" y="0"/>
+          <a:ext cx="0" cy="0"/>
+          <a:chOff x="0" y="0"/>
+          <a:chExt cx="0" cy="0"/>
+        </a:xfrm>
+      </p:grpSpPr>
+      <p:sp>
+        <p:nvSpPr>
+          <p:cNvPr id="2" name="Title 1"/>
+          <p:cNvSpPr>
+            <a:spLocks noGrp="1"/>
+          </p:cNvSpPr>
+          <p:nvPr>
+            <p:ph type="title"/>
+          </p:nvPr>
+        </p:nvSpPr>
+        <p:spPr>
+          <a:xfrm>
+            <a:off x="1032805" y="53664"/>
+            <a:ext cx="9601196" cy="1303867"/>
+          </a:xfrm>
+        </p:spPr>
+        <p:txBody>
+          <a:bodyPr/>
+          <a:lstStyle/>
+          <a:p>
+            <a:r>
+              <a:rPr lang="en-IN" dirty="0"/>
+              <a:t>Model Evaluation</a:t>
+            </a:r>
+            <a:endParaRPr dirty="0"/>
+          </a:p>
+        </p:txBody>
+      </p:sp>
+      <p:sp>
+        <p:nvSpPr>
+          <p:cNvPr id="3" name="Content Placeholder 2"/>
+          <p:cNvSpPr>
+            <a:spLocks noGrp="1"/>
+          </p:cNvSpPr>
+          <p:nvPr>
+            <p:ph idx="1"/>
+          </p:nvPr>
+        </p:nvSpPr>
+        <p:spPr>
+          <a:xfrm>
+            <a:off x="1861929" y="2052926"/>
+            <a:ext cx="8726558" cy="4195481"/>
+          </a:xfrm>
+        </p:spPr>
+        <p:txBody>
+          <a:bodyPr/>
+          <a:lstStyle/>
+          <a:p>
+            <a:pPr marL="0" indent="0">
+              <a:buNone/>
+            </a:pPr>
+            <a:r>
+              <a:rPr lang="en-IN" dirty="0"/>
+              <a:t>  </a:t>
+            </a:r>
+            <a:endParaRPr dirty="0"/>
+          </a:p>
+        </p:txBody>
+      </p:sp>
+      <mc:AlternateContent xmlns:mc="http://schemas.openxmlformats.org/markup-compatibility/2006">
+        <mc:Choice xmlns:a14="http://schemas.microsoft.com/office/drawing/2010/main" Requires="a14">
+          <p:sp>
+            <p:nvSpPr>
+              <p:cNvPr id="7" name="TextBox 6">
+                <a:extLst>
+                  <a:ext uri="{FF2B5EF4-FFF2-40B4-BE49-F238E27FC236}">
+                    <a16:creationId xmlns:a16="http://schemas.microsoft.com/office/drawing/2014/main" id="{FA27C7FA-518C-F7FF-5AEB-F62E8147BC6C}"/>
+                  </a:ext>
+                </a:extLst>
+              </p:cNvPr>
+              <p:cNvSpPr txBox="1"/>
+              <p:nvPr/>
+            </p:nvSpPr>
+            <p:spPr>
+              <a:xfrm>
+                <a:off x="783102" y="1439093"/>
+                <a:ext cx="10728959" cy="4379276"/>
+              </a:xfrm>
+              <a:prstGeom prst="rect">
+                <a:avLst/>
+              </a:prstGeom>
+              <a:noFill/>
+            </p:spPr>
+            <p:txBody>
+              <a:bodyPr wrap="square" rtlCol="0">
+                <a:spAutoFit/>
+              </a:bodyPr>
+              <a:lstStyle/>
+              <a:p>
+                <a:pPr marL="285750" indent="-285750">
+                  <a:buFont typeface="Wingdings" panose="05000000000000000000" pitchFamily="2" charset="2"/>
+                  <a:buChar char="Ø"/>
+                </a:pPr>
+                <a:r>
+                  <a:rPr lang="en-GB" dirty="0">
+                    <a:solidFill>
+                      <a:schemeClr val="bg1"/>
+                    </a:solidFill>
+                  </a:rPr>
+                  <a:t>Accuracy: The ratio of correctly predicted instances to the total instances. It tells you how often the classifier is </a:t>
+                </a:r>
+                <a:r>
+                  <a:rPr lang="en-IN" dirty="0">
+                    <a:solidFill>
+                      <a:schemeClr val="bg1"/>
+                    </a:solidFill>
+                  </a:rPr>
+                  <a:t>correct.</a:t>
+                </a:r>
+                <a:endParaRPr lang="en-GB" dirty="0">
+                  <a:solidFill>
+                    <a:schemeClr val="bg1"/>
+                  </a:solidFill>
+                </a:endParaRPr>
+              </a:p>
+              <a:p>
+                <a:endParaRPr lang="en-GB" dirty="0">
+                  <a:solidFill>
+                    <a:schemeClr val="bg1"/>
+                  </a:solidFill>
+                </a:endParaRPr>
+              </a:p>
+              <a:p>
+                <a:r>
+                  <a:rPr lang="en-GB" dirty="0">
+                    <a:solidFill>
+                      <a:schemeClr val="bg1"/>
+                    </a:solidFill>
+                  </a:rPr>
+                  <a:t>                 Accuracy = </a:t>
+                </a:r>
+                <a14:m>
+                  <m:oMath xmlns:m="http://schemas.openxmlformats.org/officeDocument/2006/math">
+                    <m:f>
+                      <m:fPr>
+                        <m:ctrlPr>
+                          <a:rPr lang="en-GB" i="1" dirty="0">
+                            <a:solidFill>
+                              <a:schemeClr val="bg1"/>
+                            </a:solidFill>
+                            <a:latin typeface="Cambria Math" panose="02040503050406030204" pitchFamily="18" charset="0"/>
+                          </a:rPr>
+                        </m:ctrlPr>
+                      </m:fPr>
+                      <m:num>
+                        <m:r>
+                          <m:rPr>
+                            <m:nor/>
+                          </m:rPr>
+                          <a:rPr lang="en-IN">
+                            <a:solidFill>
+                              <a:schemeClr val="bg1"/>
+                            </a:solidFill>
+                          </a:rPr>
+                          <m:t>Number</m:t>
+                        </m:r>
+                        <m:r>
+                          <m:rPr>
+                            <m:nor/>
+                          </m:rPr>
+                          <a:rPr lang="en-IN">
+                            <a:solidFill>
+                              <a:schemeClr val="bg1"/>
+                            </a:solidFill>
+                          </a:rPr>
+                          <m:t> </m:t>
+                        </m:r>
+                        <m:r>
+                          <m:rPr>
+                            <m:nor/>
+                          </m:rPr>
+                          <a:rPr lang="en-IN">
+                            <a:solidFill>
+                              <a:schemeClr val="bg1"/>
+                            </a:solidFill>
+                          </a:rPr>
+                          <m:t>of</m:t>
+                        </m:r>
+                        <m:r>
+                          <m:rPr>
+                            <m:nor/>
+                          </m:rPr>
+                          <a:rPr lang="en-IN">
+                            <a:solidFill>
+                              <a:schemeClr val="bg1"/>
+                            </a:solidFill>
+                          </a:rPr>
+                          <m:t> </m:t>
+                        </m:r>
+                        <m:r>
+                          <m:rPr>
+                            <m:nor/>
+                          </m:rPr>
+                          <a:rPr lang="en-IN">
+                            <a:solidFill>
+                              <a:schemeClr val="bg1"/>
+                            </a:solidFill>
+                          </a:rPr>
+                          <m:t>Correct</m:t>
+                        </m:r>
+                        <m:r>
+                          <m:rPr>
+                            <m:nor/>
+                          </m:rPr>
+                          <a:rPr lang="en-IN">
+                            <a:solidFill>
+                              <a:schemeClr val="bg1"/>
+                            </a:solidFill>
+                          </a:rPr>
+                          <m:t> </m:t>
+                        </m:r>
+                        <m:r>
+                          <m:rPr>
+                            <m:nor/>
+                          </m:rPr>
+                          <a:rPr lang="en-IN">
+                            <a:solidFill>
+                              <a:schemeClr val="bg1"/>
+                            </a:solidFill>
+                          </a:rPr>
+                          <m:t>Predictions</m:t>
+                        </m:r>
+                      </m:num>
+                      <m:den>
+                        <m:r>
+                          <a:rPr lang="en-IN" i="1" dirty="0">
+                            <a:solidFill>
+                              <a:schemeClr val="bg1"/>
+                            </a:solidFill>
+                            <a:latin typeface="Cambria Math" panose="02040503050406030204" pitchFamily="18" charset="0"/>
+                          </a:rPr>
+                          <m:t>𝑇𝑜𝑡𝑎𝑙</m:t>
+                        </m:r>
+                        <m:r>
+                          <a:rPr lang="en-IN" i="1" dirty="0">
+                            <a:solidFill>
+                              <a:schemeClr val="bg1"/>
+                            </a:solidFill>
+                            <a:latin typeface="Cambria Math" panose="02040503050406030204" pitchFamily="18" charset="0"/>
+                          </a:rPr>
+                          <m:t> </m:t>
+                        </m:r>
+                        <m:r>
+                          <a:rPr lang="en-IN" i="1" dirty="0">
+                            <a:solidFill>
+                              <a:schemeClr val="bg1"/>
+                            </a:solidFill>
+                            <a:latin typeface="Cambria Math" panose="02040503050406030204" pitchFamily="18" charset="0"/>
+                          </a:rPr>
+                          <m:t>𝑁𝑢𝑚𝑏𝑒𝑟</m:t>
+                        </m:r>
+                        <m:r>
+                          <a:rPr lang="en-IN" i="1" dirty="0">
+                            <a:solidFill>
+                              <a:schemeClr val="bg1"/>
+                            </a:solidFill>
+                            <a:latin typeface="Cambria Math" panose="02040503050406030204" pitchFamily="18" charset="0"/>
+                          </a:rPr>
+                          <m:t> </m:t>
+                        </m:r>
+                        <m:r>
+                          <a:rPr lang="en-IN" i="1" dirty="0">
+                            <a:solidFill>
+                              <a:schemeClr val="bg1"/>
+                            </a:solidFill>
+                            <a:latin typeface="Cambria Math" panose="02040503050406030204" pitchFamily="18" charset="0"/>
+                          </a:rPr>
+                          <m:t>𝑜𝑓</m:t>
+                        </m:r>
+                        <m:r>
+                          <a:rPr lang="en-IN" i="1" dirty="0">
+                            <a:solidFill>
+                              <a:schemeClr val="bg1"/>
+                            </a:solidFill>
+                            <a:latin typeface="Cambria Math" panose="02040503050406030204" pitchFamily="18" charset="0"/>
+                          </a:rPr>
+                          <m:t> </m:t>
+                        </m:r>
+                        <m:r>
+                          <a:rPr lang="en-IN" i="1" dirty="0">
+                            <a:solidFill>
+                              <a:schemeClr val="bg1"/>
+                            </a:solidFill>
+                            <a:latin typeface="Cambria Math" panose="02040503050406030204" pitchFamily="18" charset="0"/>
+                          </a:rPr>
+                          <m:t>𝑃𝑟𝑒𝑑𝑖𝑐𝑡𝑖𝑜𝑛𝑠</m:t>
+                        </m:r>
+                      </m:den>
+                    </m:f>
+                  </m:oMath>
+                </a14:m>
+                <a:endParaRPr lang="en-IN" dirty="0">
+                  <a:solidFill>
+                    <a:schemeClr val="bg1"/>
+                  </a:solidFill>
+                </a:endParaRPr>
+              </a:p>
+              <a:p>
+                <a:endParaRPr lang="en-IN" dirty="0">
+                  <a:solidFill>
+                    <a:schemeClr val="bg1"/>
+                  </a:solidFill>
+                </a:endParaRPr>
+              </a:p>
+              <a:p>
+                <a:r>
+                  <a:rPr lang="en-GB" b="1" dirty="0">
+                    <a:solidFill>
+                      <a:schemeClr val="bg1"/>
+                    </a:solidFill>
+                  </a:rPr>
+                  <a:t>Example</a:t>
+                </a:r>
+                <a:r>
+                  <a:rPr lang="en-GB" dirty="0">
+                    <a:solidFill>
+                      <a:schemeClr val="bg1"/>
+                    </a:solidFill>
+                  </a:rPr>
+                  <a:t>: If you have 100 test cases and your model correctly predicts 90 of them, the accuracy is 90%.</a:t>
+                </a:r>
+                <a:endParaRPr lang="en-IN" dirty="0">
+                  <a:solidFill>
+                    <a:schemeClr val="bg1"/>
+                  </a:solidFill>
+                </a:endParaRPr>
+              </a:p>
+              <a:p>
+                <a:endParaRPr lang="en-IN" dirty="0">
+                  <a:solidFill>
+                    <a:schemeClr val="bg1"/>
+                  </a:solidFill>
+                </a:endParaRPr>
+              </a:p>
+              <a:p>
+                <a:pPr marL="285750" indent="-285750">
+                  <a:buFont typeface="Wingdings" panose="05000000000000000000" pitchFamily="2" charset="2"/>
+                  <a:buChar char="Ø"/>
+                </a:pPr>
+                <a:r>
+                  <a:rPr lang="en-IN" dirty="0">
+                    <a:solidFill>
+                      <a:schemeClr val="bg1"/>
+                    </a:solidFill>
+                  </a:rPr>
+                  <a:t>Precision: The ratio of correctly predicted positive instances to the total predicted positives. It tells you how many predicted positives cases were actually positive. </a:t>
+                </a:r>
+              </a:p>
+              <a:p>
+                <a:endParaRPr lang="en-IN" dirty="0">
+                  <a:solidFill>
+                    <a:schemeClr val="bg1"/>
+                  </a:solidFill>
+                </a:endParaRPr>
+              </a:p>
+              <a:p>
+                <a:r>
+                  <a:rPr lang="en-IN" dirty="0">
+                    <a:solidFill>
+                      <a:schemeClr val="bg1"/>
+                    </a:solidFill>
+                  </a:rPr>
+                  <a:t>                 Precision = </a:t>
+                </a:r>
+                <a14:m>
+                  <m:oMath xmlns:m="http://schemas.openxmlformats.org/officeDocument/2006/math">
+                    <m:f>
+                      <m:fPr>
+                        <m:ctrlPr>
+                          <a:rPr lang="en-IN" i="1">
+                            <a:solidFill>
+                              <a:schemeClr val="bg1"/>
+                            </a:solidFill>
+                            <a:latin typeface="Cambria Math" panose="02040503050406030204" pitchFamily="18" charset="0"/>
+                          </a:rPr>
+                        </m:ctrlPr>
+                      </m:fPr>
+                      <m:num>
+                        <m:r>
+                          <m:rPr>
+                            <m:nor/>
+                          </m:rPr>
+                          <a:rPr lang="en-IN">
+                            <a:solidFill>
+                              <a:schemeClr val="bg1"/>
+                            </a:solidFill>
+                          </a:rPr>
+                          <m:t>True</m:t>
+                        </m:r>
+                        <m:r>
+                          <m:rPr>
+                            <m:nor/>
+                          </m:rPr>
+                          <a:rPr lang="en-IN">
+                            <a:solidFill>
+                              <a:schemeClr val="bg1"/>
+                            </a:solidFill>
+                          </a:rPr>
+                          <m:t> </m:t>
+                        </m:r>
+                        <m:r>
+                          <m:rPr>
+                            <m:nor/>
+                          </m:rPr>
+                          <a:rPr lang="en-IN">
+                            <a:solidFill>
+                              <a:schemeClr val="bg1"/>
+                            </a:solidFill>
+                          </a:rPr>
+                          <m:t>Positives</m:t>
+                        </m:r>
+                      </m:num>
+                      <m:den>
+                        <m:r>
+                          <m:rPr>
+                            <m:nor/>
+                          </m:rPr>
+                          <a:rPr lang="en-IN">
+                            <a:solidFill>
+                              <a:schemeClr val="bg1"/>
+                            </a:solidFill>
+                          </a:rPr>
+                          <m:t>True</m:t>
+                        </m:r>
+                        <m:r>
+                          <m:rPr>
+                            <m:nor/>
+                          </m:rPr>
+                          <a:rPr lang="en-IN">
+                            <a:solidFill>
+                              <a:schemeClr val="bg1"/>
+                            </a:solidFill>
+                          </a:rPr>
+                          <m:t> </m:t>
+                        </m:r>
+                        <m:r>
+                          <m:rPr>
+                            <m:nor/>
+                          </m:rPr>
+                          <a:rPr lang="en-IN">
+                            <a:solidFill>
+                              <a:schemeClr val="bg1"/>
+                            </a:solidFill>
+                          </a:rPr>
+                          <m:t>Positives</m:t>
+                        </m:r>
+                        <m:r>
+                          <m:rPr>
+                            <m:nor/>
+                          </m:rPr>
+                          <a:rPr lang="en-IN">
+                            <a:solidFill>
+                              <a:schemeClr val="bg1"/>
+                            </a:solidFill>
+                          </a:rPr>
+                          <m:t>+</m:t>
+                        </m:r>
+                        <m:r>
+                          <m:rPr>
+                            <m:nor/>
+                          </m:rPr>
+                          <a:rPr lang="en-IN">
+                            <a:solidFill>
+                              <a:schemeClr val="bg1"/>
+                            </a:solidFill>
+                          </a:rPr>
+                          <m:t>False</m:t>
+                        </m:r>
+                        <m:r>
+                          <m:rPr>
+                            <m:nor/>
+                          </m:rPr>
+                          <a:rPr lang="en-IN">
+                            <a:solidFill>
+                              <a:schemeClr val="bg1"/>
+                            </a:solidFill>
+                          </a:rPr>
+                          <m:t> </m:t>
+                        </m:r>
+                        <m:r>
+                          <m:rPr>
+                            <m:nor/>
+                          </m:rPr>
+                          <a:rPr lang="en-IN">
+                            <a:solidFill>
+                              <a:schemeClr val="bg1"/>
+                            </a:solidFill>
+                          </a:rPr>
+                          <m:t>Positives</m:t>
+                        </m:r>
+                      </m:den>
+                    </m:f>
+                  </m:oMath>
+                </a14:m>
+                <a:endParaRPr lang="en-IN" dirty="0">
+                  <a:solidFill>
+                    <a:schemeClr val="bg1"/>
+                  </a:solidFill>
+                </a:endParaRPr>
+              </a:p>
+              <a:p>
+                <a:endParaRPr lang="en-IN" dirty="0">
+                  <a:solidFill>
+                    <a:schemeClr val="bg1"/>
+                  </a:solidFill>
+                </a:endParaRPr>
+              </a:p>
+              <a:p>
+                <a:r>
+                  <a:rPr lang="en-GB" b="1" dirty="0">
+                    <a:solidFill>
+                      <a:schemeClr val="bg1"/>
+                    </a:solidFill>
+                  </a:rPr>
+                  <a:t>Example</a:t>
+                </a:r>
+                <a:r>
+                  <a:rPr lang="en-GB" dirty="0">
+                    <a:solidFill>
+                      <a:schemeClr val="bg1"/>
+                    </a:solidFill>
+                  </a:rPr>
+                  <a:t>: If your model predicts 10 positives and 7 of them are correct, the precision is 70%.</a:t>
+                </a:r>
+                <a:endParaRPr lang="en-IN" dirty="0">
+                  <a:solidFill>
+                    <a:schemeClr val="bg1"/>
+                  </a:solidFill>
+                </a:endParaRPr>
+              </a:p>
+            </p:txBody>
+          </p:sp>
+        </mc:Choice>
+        <mc:Fallback>
+          <p:sp>
+            <p:nvSpPr>
+              <p:cNvPr id="7" name="TextBox 6">
+                <a:extLst>
+                  <a:ext uri="{FF2B5EF4-FFF2-40B4-BE49-F238E27FC236}">
+                    <a16:creationId xmlns:a16="http://schemas.microsoft.com/office/drawing/2014/main" id="{FA27C7FA-518C-F7FF-5AEB-F62E8147BC6C}"/>
+                  </a:ext>
+                </a:extLst>
+              </p:cNvPr>
+              <p:cNvSpPr txBox="1">
+                <a:spLocks noRot="1" noChangeAspect="1" noMove="1" noResize="1" noEditPoints="1" noAdjustHandles="1" noChangeArrowheads="1" noChangeShapeType="1" noTextEdit="1"/>
+              </p:cNvSpPr>
+              <p:nvPr/>
+            </p:nvSpPr>
+            <p:spPr>
+              <a:xfrm>
+                <a:off x="783102" y="1439093"/>
+                <a:ext cx="10728959" cy="4379276"/>
+              </a:xfrm>
+              <a:prstGeom prst="rect">
+                <a:avLst/>
+              </a:prstGeom>
+              <a:blipFill>
+                <a:blip r:embed="rId2"/>
+                <a:stretch>
+                  <a:fillRect l="-455" t="-696" r="-170" b="-1393"/>
+                </a:stretch>
+              </a:blipFill>
+            </p:spPr>
+            <p:txBody>
+              <a:bodyPr/>
+              <a:lstStyle/>
+              <a:p>
+                <a:r>
+                  <a:rPr lang="en-IN">
+                    <a:noFill/>
+                  </a:rPr>
+                  <a:t> </a:t>
+                </a:r>
+              </a:p>
+            </p:txBody>
+          </p:sp>
+        </mc:Fallback>
+      </mc:AlternateContent>
+    </p:spTree>
+  </p:cSld>
+  <p:clrMapOvr>
+    <a:masterClrMapping/>
+  </p:clrMapOvr>
+</p:sld>
+</file>
+
+<file path=ppt/slides/slide21.xml><?xml version="1.0" encoding="utf-8"?>
+<p:sld xmlns:a="http://schemas.openxmlformats.org/drawingml/2006/main" xmlns:r="http://schemas.openxmlformats.org/officeDocument/2006/relationships" xmlns:p="http://schemas.openxmlformats.org/presentationml/2006/main">
+  <p:cSld>
+    <p:spTree>
+      <p:nvGrpSpPr>
+        <p:cNvPr id="1" name=""/>
+        <p:cNvGrpSpPr/>
+        <p:nvPr/>
+      </p:nvGrpSpPr>
+      <p:grpSpPr>
+        <a:xfrm>
+          <a:off x="0" y="0"/>
+          <a:ext cx="0" cy="0"/>
+          <a:chOff x="0" y="0"/>
+          <a:chExt cx="0" cy="0"/>
+        </a:xfrm>
+      </p:grpSpPr>
+      <p:sp>
+        <p:nvSpPr>
+          <p:cNvPr id="2" name="Title 1"/>
+          <p:cNvSpPr>
+            <a:spLocks noGrp="1"/>
+          </p:cNvSpPr>
+          <p:nvPr>
+            <p:ph type="title"/>
+          </p:nvPr>
+        </p:nvSpPr>
+        <p:spPr>
+          <a:xfrm>
+            <a:off x="2122780" y="-90672"/>
+            <a:ext cx="7055380" cy="1400530"/>
+          </a:xfrm>
+        </p:spPr>
+        <p:txBody>
+          <a:bodyPr/>
+          <a:lstStyle/>
+          <a:p>
+            <a:r>
+              <a:rPr lang="en-IN" dirty="0"/>
+              <a:t>Model Evaluation </a:t>
+            </a:r>
+            <a:endParaRPr dirty="0"/>
+          </a:p>
+        </p:txBody>
+      </p:sp>
+      <mc:AlternateContent xmlns:mc="http://schemas.openxmlformats.org/markup-compatibility/2006">
+        <mc:Choice xmlns:a14="http://schemas.microsoft.com/office/drawing/2010/main" Requires="a14">
+          <p:sp>
+            <p:nvSpPr>
+              <p:cNvPr id="3" name="Content Placeholder 2"/>
+              <p:cNvSpPr>
+                <a:spLocks noGrp="1"/>
+              </p:cNvSpPr>
+              <p:nvPr>
+                <p:ph idx="1"/>
+              </p:nvPr>
+            </p:nvSpPr>
+            <p:spPr>
+              <a:xfrm>
+                <a:off x="464234" y="1282149"/>
+                <a:ext cx="10869637" cy="4966258"/>
+              </a:xfrm>
+            </p:spPr>
+            <p:txBody>
+              <a:bodyPr>
+                <a:normAutofit/>
+              </a:bodyPr>
+              <a:lstStyle/>
+              <a:p>
+                <a:r>
+                  <a:rPr lang="en-IN" dirty="0">
+                    <a:latin typeface="Arial" panose="020B0604020202020204" pitchFamily="34" charset="0"/>
+                    <a:cs typeface="Arial" panose="020B0604020202020204" pitchFamily="34" charset="0"/>
+                  </a:rPr>
+                  <a:t>Recall: The ratio of correctly predicted positive instances to all actual positives. </a:t>
+                </a:r>
+                <a:r>
+                  <a:rPr lang="en-GB" dirty="0">
+                    <a:latin typeface="Arial" panose="020B0604020202020204" pitchFamily="34" charset="0"/>
+                    <a:cs typeface="Arial" panose="020B0604020202020204" pitchFamily="34" charset="0"/>
+                  </a:rPr>
+                  <a:t>It tells you how many of the actual positive cases were captured by the model.</a:t>
+                </a:r>
+              </a:p>
+              <a:p>
+                <a:pPr marL="0" indent="0" algn="ctr">
+                  <a:buNone/>
+                </a:pPr>
+                <a:r>
+                  <a:rPr lang="en-IN" dirty="0">
+                    <a:latin typeface="Arial" panose="020B0604020202020204" pitchFamily="34" charset="0"/>
+                    <a:cs typeface="Arial" panose="020B0604020202020204" pitchFamily="34" charset="0"/>
+                  </a:rPr>
+                  <a:t>Recall = </a:t>
+                </a:r>
+                <a14:m>
+                  <m:oMath xmlns:m="http://schemas.openxmlformats.org/officeDocument/2006/math">
+                    <m:f>
+                      <m:fPr>
+                        <m:ctrlPr>
+                          <a:rPr lang="en-IN" i="1">
+                            <a:latin typeface="Cambria Math" panose="02040503050406030204" pitchFamily="18" charset="0"/>
+                          </a:rPr>
+                        </m:ctrlPr>
+                      </m:fPr>
+                      <m:num>
+                        <m:r>
+                          <m:rPr>
+                            <m:nor/>
+                          </m:rPr>
+                          <a:rPr lang="en-IN">
+                            <a:latin typeface="Arial" panose="020B0604020202020204" pitchFamily="34" charset="0"/>
+                            <a:cs typeface="Arial" panose="020B0604020202020204" pitchFamily="34" charset="0"/>
+                          </a:rPr>
+                          <m:t>True</m:t>
+                        </m:r>
+                        <m:r>
+                          <m:rPr>
+                            <m:nor/>
+                          </m:rPr>
+                          <a:rPr lang="en-IN">
+                            <a:latin typeface="Arial" panose="020B0604020202020204" pitchFamily="34" charset="0"/>
+                            <a:cs typeface="Arial" panose="020B0604020202020204" pitchFamily="34" charset="0"/>
+                          </a:rPr>
+                          <m:t> </m:t>
+                        </m:r>
+                        <m:r>
+                          <m:rPr>
+                            <m:nor/>
+                          </m:rPr>
+                          <a:rPr lang="en-IN">
+                            <a:latin typeface="Arial" panose="020B0604020202020204" pitchFamily="34" charset="0"/>
+                            <a:cs typeface="Arial" panose="020B0604020202020204" pitchFamily="34" charset="0"/>
+                          </a:rPr>
+                          <m:t>Positives</m:t>
+                        </m:r>
+                      </m:num>
+                      <m:den>
+                        <m:r>
+                          <m:rPr>
+                            <m:nor/>
+                          </m:rPr>
+                          <a:rPr lang="en-IN">
+                            <a:latin typeface="Arial" panose="020B0604020202020204" pitchFamily="34" charset="0"/>
+                            <a:cs typeface="Arial" panose="020B0604020202020204" pitchFamily="34" charset="0"/>
+                          </a:rPr>
+                          <m:t>True</m:t>
+                        </m:r>
+                        <m:r>
+                          <m:rPr>
+                            <m:nor/>
+                          </m:rPr>
+                          <a:rPr lang="en-IN">
+                            <a:latin typeface="Arial" panose="020B0604020202020204" pitchFamily="34" charset="0"/>
+                            <a:cs typeface="Arial" panose="020B0604020202020204" pitchFamily="34" charset="0"/>
+                          </a:rPr>
+                          <m:t> </m:t>
+                        </m:r>
+                        <m:r>
+                          <m:rPr>
+                            <m:nor/>
+                          </m:rPr>
+                          <a:rPr lang="en-IN">
+                            <a:latin typeface="Arial" panose="020B0604020202020204" pitchFamily="34" charset="0"/>
+                            <a:cs typeface="Arial" panose="020B0604020202020204" pitchFamily="34" charset="0"/>
+                          </a:rPr>
+                          <m:t>Positives</m:t>
+                        </m:r>
+                        <m:r>
+                          <m:rPr>
+                            <m:nor/>
+                          </m:rPr>
+                          <a:rPr lang="en-IN">
+                            <a:latin typeface="Arial" panose="020B0604020202020204" pitchFamily="34" charset="0"/>
+                            <a:cs typeface="Arial" panose="020B0604020202020204" pitchFamily="34" charset="0"/>
+                          </a:rPr>
+                          <m:t>+</m:t>
+                        </m:r>
+                        <m:r>
+                          <m:rPr>
+                            <m:nor/>
+                          </m:rPr>
+                          <a:rPr lang="en-IN">
+                            <a:latin typeface="Arial" panose="020B0604020202020204" pitchFamily="34" charset="0"/>
+                            <a:cs typeface="Arial" panose="020B0604020202020204" pitchFamily="34" charset="0"/>
+                          </a:rPr>
+                          <m:t>False</m:t>
+                        </m:r>
+                        <m:r>
+                          <m:rPr>
+                            <m:nor/>
+                          </m:rPr>
+                          <a:rPr lang="en-IN">
+                            <a:latin typeface="Arial" panose="020B0604020202020204" pitchFamily="34" charset="0"/>
+                            <a:cs typeface="Arial" panose="020B0604020202020204" pitchFamily="34" charset="0"/>
+                          </a:rPr>
+                          <m:t> </m:t>
+                        </m:r>
+                        <m:r>
+                          <m:rPr>
+                            <m:nor/>
+                          </m:rPr>
+                          <a:rPr lang="en-IN">
+                            <a:latin typeface="Arial" panose="020B0604020202020204" pitchFamily="34" charset="0"/>
+                            <a:cs typeface="Arial" panose="020B0604020202020204" pitchFamily="34" charset="0"/>
+                          </a:rPr>
+                          <m:t>Negatives</m:t>
+                        </m:r>
+                      </m:den>
+                    </m:f>
+                  </m:oMath>
+                </a14:m>
+                <a:endParaRPr lang="en-IN" dirty="0">
+                  <a:latin typeface="Arial" panose="020B0604020202020204" pitchFamily="34" charset="0"/>
+                  <a:cs typeface="Arial" panose="020B0604020202020204" pitchFamily="34" charset="0"/>
+                </a:endParaRPr>
+              </a:p>
+              <a:p>
+                <a:pPr marL="0" indent="0">
+                  <a:buNone/>
+                </a:pPr>
+                <a:endParaRPr lang="en-GB" b="1" dirty="0">
+                  <a:latin typeface="Arial" panose="020B0604020202020204" pitchFamily="34" charset="0"/>
+                  <a:cs typeface="Arial" panose="020B0604020202020204" pitchFamily="34" charset="0"/>
+                </a:endParaRPr>
+              </a:p>
+              <a:p>
+                <a:pPr marL="0" indent="0">
+                  <a:buNone/>
+                </a:pPr>
+                <a:r>
+                  <a:rPr lang="en-GB" b="1" dirty="0">
+                    <a:latin typeface="Arial" panose="020B0604020202020204" pitchFamily="34" charset="0"/>
+                    <a:cs typeface="Arial" panose="020B0604020202020204" pitchFamily="34" charset="0"/>
+                  </a:rPr>
+                  <a:t>Example</a:t>
+                </a:r>
+                <a:r>
+                  <a:rPr lang="en-GB" dirty="0">
+                    <a:latin typeface="Arial" panose="020B0604020202020204" pitchFamily="34" charset="0"/>
+                    <a:cs typeface="Arial" panose="020B0604020202020204" pitchFamily="34" charset="0"/>
+                  </a:rPr>
+                  <a:t>: If there are 20 actual positives and your model correctly predicts 15 of them, the recall is 75%.</a:t>
+                </a:r>
+              </a:p>
+              <a:p>
+                <a:pPr marL="0" indent="0">
+                  <a:buNone/>
+                </a:pPr>
+                <a:endParaRPr lang="en-IN" dirty="0">
+                  <a:latin typeface="Arial" panose="020B0604020202020204" pitchFamily="34" charset="0"/>
+                  <a:cs typeface="Arial" panose="020B0604020202020204" pitchFamily="34" charset="0"/>
+                </a:endParaRPr>
+              </a:p>
+              <a:p>
+                <a:r>
+                  <a:rPr lang="en-IN" dirty="0">
+                    <a:latin typeface="Arial" panose="020B0604020202020204" pitchFamily="34" charset="0"/>
+                    <a:cs typeface="Arial" panose="020B0604020202020204" pitchFamily="34" charset="0"/>
+                  </a:rPr>
+                  <a:t>F1- Score: The harmonic mean of precision and recall.</a:t>
+                </a:r>
+                <a:r>
+                  <a:rPr lang="en-GB" dirty="0">
+                    <a:latin typeface="Arial" panose="020B0604020202020204" pitchFamily="34" charset="0"/>
+                    <a:cs typeface="Arial" panose="020B0604020202020204" pitchFamily="34" charset="0"/>
+                  </a:rPr>
+                  <a:t> It gives a balance between precision and recall, especially useful if you need a single measure of performance.</a:t>
+                </a:r>
+              </a:p>
+              <a:p>
+                <a:pPr marL="0" indent="0" algn="ctr">
+                  <a:buNone/>
+                </a:pPr>
+                <a:r>
+                  <a:rPr lang="en-IN" dirty="0">
+                    <a:latin typeface="Arial" panose="020B0604020202020204" pitchFamily="34" charset="0"/>
+                    <a:cs typeface="Arial" panose="020B0604020202020204" pitchFamily="34" charset="0"/>
+                  </a:rPr>
+                  <a:t>F1-Score= 2 X </a:t>
+                </a:r>
+                <a14:m>
+                  <m:oMath xmlns:m="http://schemas.openxmlformats.org/officeDocument/2006/math">
+                    <m:f>
+                      <m:fPr>
+                        <m:ctrlPr>
+                          <a:rPr lang="en-IN" i="1">
+                            <a:latin typeface="Cambria Math" panose="02040503050406030204" pitchFamily="18" charset="0"/>
+                            <a:cs typeface="Arial" panose="020B0604020202020204" pitchFamily="34" charset="0"/>
+                          </a:rPr>
+                        </m:ctrlPr>
+                      </m:fPr>
+                      <m:num>
+                        <m:r>
+                          <m:rPr>
+                            <m:nor/>
+                          </m:rPr>
+                          <a:rPr lang="en-IN"/>
+                          <m:t>Precision</m:t>
+                        </m:r>
+                        <m:r>
+                          <m:rPr>
+                            <m:nor/>
+                          </m:rPr>
+                          <a:rPr lang="en-IN"/>
+                          <m:t>×</m:t>
+                        </m:r>
+                        <m:r>
+                          <m:rPr>
+                            <m:nor/>
+                          </m:rPr>
+                          <a:rPr lang="en-IN"/>
+                          <m:t>Recall</m:t>
+                        </m:r>
+                      </m:num>
+                      <m:den>
+                        <m:r>
+                          <m:rPr>
+                            <m:nor/>
+                          </m:rPr>
+                          <a:rPr lang="en-IN"/>
+                          <m:t>Precision</m:t>
+                        </m:r>
+                        <m:r>
+                          <m:rPr>
+                            <m:nor/>
+                          </m:rPr>
+                          <a:rPr lang="en-IN"/>
+                          <m:t>+</m:t>
+                        </m:r>
+                        <m:r>
+                          <m:rPr>
+                            <m:nor/>
+                          </m:rPr>
+                          <a:rPr lang="en-IN"/>
+                          <m:t>Recall</m:t>
+                        </m:r>
+                      </m:den>
+                    </m:f>
+                  </m:oMath>
+                </a14:m>
+                <a:endParaRPr lang="en-IN" dirty="0">
+                  <a:latin typeface="Arial" panose="020B0604020202020204" pitchFamily="34" charset="0"/>
+                  <a:cs typeface="Arial" panose="020B0604020202020204" pitchFamily="34" charset="0"/>
+                </a:endParaRPr>
+              </a:p>
+              <a:p>
+                <a:pPr marL="0" indent="0">
+                  <a:buNone/>
+                </a:pPr>
+                <a:endParaRPr lang="en-GB" b="1" dirty="0">
+                  <a:latin typeface="Arial" panose="020B0604020202020204" pitchFamily="34" charset="0"/>
+                  <a:cs typeface="Arial" panose="020B0604020202020204" pitchFamily="34" charset="0"/>
+                </a:endParaRPr>
+              </a:p>
+              <a:p>
+                <a:pPr marL="0" indent="0">
+                  <a:buNone/>
+                </a:pPr>
+                <a:r>
+                  <a:rPr lang="en-GB" b="1" dirty="0">
+                    <a:latin typeface="Arial" panose="020B0604020202020204" pitchFamily="34" charset="0"/>
+                    <a:cs typeface="Arial" panose="020B0604020202020204" pitchFamily="34" charset="0"/>
+                  </a:rPr>
+                  <a:t>Example</a:t>
+                </a:r>
+                <a:r>
+                  <a:rPr lang="en-GB" dirty="0">
+                    <a:latin typeface="Arial" panose="020B0604020202020204" pitchFamily="34" charset="0"/>
+                    <a:cs typeface="Arial" panose="020B0604020202020204" pitchFamily="34" charset="0"/>
+                  </a:rPr>
+                  <a:t>: If your model has a precision of 70% and a recall of 80%, the F1-score is approximately 74%.</a:t>
+                </a:r>
+                <a:endParaRPr lang="en-IN" dirty="0">
+                  <a:latin typeface="Arial" panose="020B0604020202020204" pitchFamily="34" charset="0"/>
+                  <a:cs typeface="Arial" panose="020B0604020202020204" pitchFamily="34" charset="0"/>
+                </a:endParaRPr>
+              </a:p>
+            </p:txBody>
+          </p:sp>
+        </mc:Choice>
+        <mc:Fallback>
+          <p:sp>
+            <p:nvSpPr>
+              <p:cNvPr id="3" name="Content Placeholder 2"/>
+              <p:cNvSpPr>
+                <a:spLocks noGrp="1" noRot="1" noChangeAspect="1" noMove="1" noResize="1" noEditPoints="1" noAdjustHandles="1" noChangeArrowheads="1" noChangeShapeType="1" noTextEdit="1"/>
+              </p:cNvSpPr>
+              <p:nvPr>
+                <p:ph idx="1"/>
+              </p:nvPr>
+            </p:nvSpPr>
+            <p:spPr>
+              <a:xfrm>
+                <a:off x="464234" y="1282149"/>
+                <a:ext cx="10869637" cy="4966258"/>
+              </a:xfrm>
+              <a:blipFill>
+                <a:blip r:embed="rId2"/>
+                <a:stretch>
+                  <a:fillRect l="-505" t="-982" r="-1066"/>
+                </a:stretch>
+              </a:blipFill>
+            </p:spPr>
+            <p:txBody>
+              <a:bodyPr/>
+              <a:lstStyle/>
+              <a:p>
+                <a:r>
+                  <a:rPr lang="en-IN">
+                    <a:noFill/>
+                  </a:rPr>
+                  <a:t> </a:t>
+                </a:r>
+              </a:p>
+            </p:txBody>
+          </p:sp>
+        </mc:Fallback>
+      </mc:AlternateContent>
+    </p:spTree>
+  </p:cSld>
+  <p:clrMapOvr>
+    <a:masterClrMapping/>
+  </p:clrMapOvr>
+</p:sld>
+</file>
+
+<file path=ppt/slides/slide22.xml><?xml version="1.0" encoding="utf-8"?>
+<p:sld xmlns:a="http://schemas.openxmlformats.org/drawingml/2006/main" xmlns:r="http://schemas.openxmlformats.org/officeDocument/2006/relationships" xmlns:p="http://schemas.openxmlformats.org/presentationml/2006/main">
+  <p:cSld>
+    <p:spTree>
+      <p:nvGrpSpPr>
+        <p:cNvPr id="1" name=""/>
+        <p:cNvGrpSpPr/>
+        <p:nvPr/>
+      </p:nvGrpSpPr>
+      <p:grpSpPr>
+        <a:xfrm>
+          <a:off x="0" y="0"/>
+          <a:ext cx="0" cy="0"/>
+          <a:chOff x="0" y="0"/>
+          <a:chExt cx="0" cy="0"/>
+        </a:xfrm>
+      </p:grpSpPr>
+      <p:sp>
+        <p:nvSpPr>
+          <p:cNvPr id="2" name="Title 1"/>
+          <p:cNvSpPr>
+            <a:spLocks noGrp="1"/>
+          </p:cNvSpPr>
+          <p:nvPr>
+            <p:ph type="title"/>
+          </p:nvPr>
+        </p:nvSpPr>
+        <p:spPr>
+          <a:xfrm>
+            <a:off x="985913" y="255301"/>
+            <a:ext cx="9601196" cy="1303867"/>
+          </a:xfrm>
+        </p:spPr>
+        <p:txBody>
+          <a:bodyPr/>
+          <a:lstStyle/>
+          <a:p>
+            <a:r>
+              <a:rPr lang="en-IN" dirty="0"/>
+              <a:t>ROC Curve </a:t>
+            </a:r>
+            <a:endParaRPr dirty="0"/>
+          </a:p>
+        </p:txBody>
+      </p:sp>
+      <p:sp>
+        <p:nvSpPr>
+          <p:cNvPr id="3" name="Content Placeholder 2"/>
+          <p:cNvSpPr>
+            <a:spLocks noGrp="1"/>
+          </p:cNvSpPr>
+          <p:nvPr>
+            <p:ph idx="1"/>
+          </p:nvPr>
+        </p:nvSpPr>
+        <p:spPr>
+          <a:xfrm>
+            <a:off x="407964" y="2052926"/>
+            <a:ext cx="7216725" cy="4195481"/>
+          </a:xfrm>
+        </p:spPr>
+        <p:txBody>
+          <a:bodyPr>
+            <a:normAutofit fontScale="92500" lnSpcReduction="10000"/>
+          </a:bodyPr>
+          <a:lstStyle/>
+          <a:p>
+            <a:r>
+              <a:rPr lang="en-GB" dirty="0"/>
+              <a:t>ROC stands for Receiver Operating Characteristic. It is a graphical representation used to evaluate the performance of a binary classification model by illustrating the trade-off between the True Positive Rate (TPR) and the False Positive Rate (FPR) at various threshold settings.</a:t>
+            </a:r>
+          </a:p>
+          <a:p>
+            <a:pPr marL="0" indent="0">
+              <a:buNone/>
+            </a:pPr>
+            <a:endParaRPr lang="en-GB" dirty="0"/>
+          </a:p>
+          <a:p>
+            <a:r>
+              <a:rPr lang="en-GB" b="1" dirty="0"/>
+              <a:t>Area Under the ROC Curve (AUC - ROC):</a:t>
+            </a:r>
+            <a:endParaRPr lang="en-GB" dirty="0"/>
+          </a:p>
+          <a:p>
+            <a:pPr marL="0" indent="0">
+              <a:buNone/>
+            </a:pPr>
+            <a:r>
+              <a:rPr lang="en-GB" b="1" dirty="0"/>
+              <a:t> AUC:</a:t>
+            </a:r>
+            <a:endParaRPr lang="en-GB" dirty="0"/>
+          </a:p>
+          <a:p>
+            <a:pPr lvl="1">
+              <a:buFont typeface="Arial" panose="020B0604020202020204" pitchFamily="34" charset="0"/>
+              <a:buChar char="•"/>
+            </a:pPr>
+            <a:r>
+              <a:rPr lang="en-GB" dirty="0"/>
+              <a:t>The Area Under the Curve (AUC) is a single scalar value summarizing the performance of the model.</a:t>
+            </a:r>
+          </a:p>
+          <a:p>
+            <a:pPr lvl="1">
+              <a:buFont typeface="Arial" panose="020B0604020202020204" pitchFamily="34" charset="0"/>
+              <a:buChar char="•"/>
+            </a:pPr>
+            <a:r>
+              <a:rPr lang="en-GB" dirty="0"/>
+              <a:t>AUC ranges from 0 to 1.</a:t>
+            </a:r>
+          </a:p>
+          <a:p>
+            <a:pPr lvl="1">
+              <a:buFont typeface="Arial" panose="020B0604020202020204" pitchFamily="34" charset="0"/>
+              <a:buChar char="•"/>
+            </a:pPr>
+            <a:r>
+              <a:rPr lang="en-GB" dirty="0"/>
+              <a:t>A model with perfect discrimination has an AUC of 1.</a:t>
+            </a:r>
+          </a:p>
+          <a:p>
+            <a:pPr lvl="1">
+              <a:buFont typeface="Arial" panose="020B0604020202020204" pitchFamily="34" charset="0"/>
+              <a:buChar char="•"/>
+            </a:pPr>
+            <a:r>
+              <a:rPr lang="en-GB" dirty="0"/>
+              <a:t>A model with no discrimination ability has an AUC of 0.5 (the ROC curve is the diagonal line).</a:t>
+            </a:r>
+          </a:p>
+          <a:p>
+            <a:pPr marL="0" indent="0">
+              <a:buNone/>
+            </a:pPr>
+            <a:endParaRPr lang="en-GB" dirty="0"/>
+          </a:p>
+          <a:p>
+            <a:pPr marL="0" indent="0">
+              <a:buNone/>
+            </a:pPr>
+            <a:endParaRPr dirty="0"/>
+          </a:p>
+        </p:txBody>
+      </p:sp>
+      <p:pic>
+        <p:nvPicPr>
+          <p:cNvPr id="1026" name="Picture 2">
+            <a:extLst>
+              <a:ext uri="{FF2B5EF4-FFF2-40B4-BE49-F238E27FC236}">
+                <a16:creationId xmlns:a16="http://schemas.microsoft.com/office/drawing/2014/main" id="{95A59728-05B7-A204-8791-F2A6830B84C1}"/>
+              </a:ext>
+            </a:extLst>
+          </p:cNvPr>
+          <p:cNvPicPr>
+            <a:picLocks noChangeAspect="1" noChangeArrowheads="1"/>
+          </p:cNvPicPr>
+          <p:nvPr/>
+        </p:nvPicPr>
+        <p:blipFill>
+          <a:blip r:embed="rId2">
+            <a:extLst>
+              <a:ext uri="{28A0092B-C50C-407E-A947-70E740481C1C}">
+                <a14:useLocalDpi xmlns:a14="http://schemas.microsoft.com/office/drawing/2010/main" val="0"/>
+              </a:ext>
+            </a:extLst>
+          </a:blip>
+          <a:srcRect/>
+          <a:stretch>
+            <a:fillRect/>
+          </a:stretch>
+        </p:blipFill>
+        <p:spPr bwMode="auto">
+          <a:xfrm>
+            <a:off x="7990448" y="2085751"/>
+            <a:ext cx="3910820" cy="4277535"/>
+          </a:xfrm>
+          <a:prstGeom prst="rect">
+            <a:avLst/>
+          </a:prstGeom>
+          <a:noFill/>
+          <a:extLst>
+            <a:ext uri="{909E8E84-426E-40DD-AFC4-6F175D3DCCD1}">
+              <a14:hiddenFill xmlns:a14="http://schemas.microsoft.com/office/drawing/2010/main">
+                <a:solidFill>
+                  <a:srgbClr val="FFFFFF"/>
+                </a:solidFill>
+              </a14:hiddenFill>
+            </a:ext>
+          </a:extLst>
+        </p:spPr>
+      </p:pic>
+    </p:spTree>
+  </p:cSld>
+  <p:clrMapOvr>
+    <a:masterClrMapping/>
+  </p:clrMapOvr>
+</p:sld>
+</file>
+
+<file path=ppt/slides/slide23.xml><?xml version="1.0" encoding="utf-8"?>
+<p:sld xmlns:a="http://schemas.openxmlformats.org/drawingml/2006/main" xmlns:r="http://schemas.openxmlformats.org/officeDocument/2006/relationships" xmlns:p="http://schemas.openxmlformats.org/presentationml/2006/main" showMasterSp="0">
+  <p:cSld>
+    <p:spTree>
+      <p:nvGrpSpPr>
+        <p:cNvPr id="1" name=""/>
+        <p:cNvGrpSpPr/>
+        <p:nvPr/>
+      </p:nvGrpSpPr>
+      <p:grpSpPr>
+        <a:xfrm>
+          <a:off x="0" y="0"/>
+          <a:ext cx="0" cy="0"/>
+          <a:chOff x="0" y="0"/>
+          <a:chExt cx="0" cy="0"/>
+        </a:xfrm>
+      </p:grpSpPr>
+      <p:sp>
+        <p:nvSpPr>
+          <p:cNvPr id="7" name="TextBox 6">
+            <a:extLst>
+              <a:ext uri="{FF2B5EF4-FFF2-40B4-BE49-F238E27FC236}">
+                <a16:creationId xmlns:a16="http://schemas.microsoft.com/office/drawing/2014/main" id="{3237DB55-A6C3-0228-AB4A-DD4D9C765D2A}"/>
+              </a:ext>
+            </a:extLst>
+          </p:cNvPr>
+          <p:cNvSpPr txBox="1"/>
+          <p:nvPr/>
+        </p:nvSpPr>
+        <p:spPr>
+          <a:xfrm>
+            <a:off x="2070295" y="318868"/>
+            <a:ext cx="8051410" cy="523220"/>
+          </a:xfrm>
+          <a:prstGeom prst="rect">
+            <a:avLst/>
+          </a:prstGeom>
+          <a:noFill/>
+        </p:spPr>
+        <p:txBody>
+          <a:bodyPr wrap="square" rtlCol="0">
+            <a:spAutoFit/>
+          </a:bodyPr>
+          <a:lstStyle/>
+          <a:p>
+            <a:r>
+              <a:rPr lang="en-IN" sz="2800" dirty="0">
+                <a:solidFill>
+                  <a:schemeClr val="bg1"/>
+                </a:solidFill>
+              </a:rPr>
+              <a:t>MODEL EVALUATION FOR REGRESSION</a:t>
+            </a:r>
+          </a:p>
+        </p:txBody>
+      </p:sp>
+      <mc:AlternateContent xmlns:mc="http://schemas.openxmlformats.org/markup-compatibility/2006">
+        <mc:Choice xmlns:a14="http://schemas.microsoft.com/office/drawing/2010/main" Requires="a14">
+          <p:sp>
+            <p:nvSpPr>
+              <p:cNvPr id="8" name="TextBox 7">
+                <a:extLst>
+                  <a:ext uri="{FF2B5EF4-FFF2-40B4-BE49-F238E27FC236}">
+                    <a16:creationId xmlns:a16="http://schemas.microsoft.com/office/drawing/2014/main" id="{99F84FB0-A045-9971-6B88-9AB43B4E24EA}"/>
+                  </a:ext>
+                </a:extLst>
+              </p:cNvPr>
+              <p:cNvSpPr txBox="1"/>
+              <p:nvPr/>
+            </p:nvSpPr>
+            <p:spPr>
+              <a:xfrm>
+                <a:off x="895643" y="1659988"/>
+                <a:ext cx="10339754" cy="3820790"/>
+              </a:xfrm>
+              <a:prstGeom prst="rect">
+                <a:avLst/>
+              </a:prstGeom>
+              <a:noFill/>
+            </p:spPr>
+            <p:txBody>
+              <a:bodyPr wrap="square" rtlCol="0">
+                <a:spAutoFit/>
+              </a:bodyPr>
+              <a:lstStyle/>
+              <a:p>
+                <a:r>
+                  <a:rPr lang="en-IN" b="1" dirty="0">
+                    <a:solidFill>
+                      <a:schemeClr val="bg1"/>
+                    </a:solidFill>
+                  </a:rPr>
+                  <a:t>Mean Absolute Error (MAE)</a:t>
+                </a:r>
+                <a:r>
+                  <a:rPr lang="en-IN" dirty="0">
+                    <a:solidFill>
+                      <a:schemeClr val="bg1"/>
+                    </a:solidFill>
+                  </a:rPr>
+                  <a:t>: Measures the average magnitude of errors in a set of predictions, without considering their direction.</a:t>
+                </a:r>
+              </a:p>
+              <a:p>
+                <a:pPr/>
+                <a:endParaRPr lang="en-IN" dirty="0">
+                  <a:solidFill>
+                    <a:schemeClr val="bg1"/>
+                  </a:solidFill>
+                </a:endParaRPr>
+              </a:p>
+              <a:p>
+                <a:pPr/>
+                <a14:m>
+                  <m:oMathPara xmlns:m="http://schemas.openxmlformats.org/officeDocument/2006/math">
+                    <m:oMathParaPr>
+                      <m:jc m:val="centerGroup"/>
+                    </m:oMathParaPr>
+                    <m:oMath xmlns:m="http://schemas.openxmlformats.org/officeDocument/2006/math">
+                      <m:r>
+                        <m:rPr>
+                          <m:nor/>
+                        </m:rPr>
+                        <a:rPr lang="en-IN">
+                          <a:solidFill>
+                            <a:schemeClr val="bg1"/>
+                          </a:solidFill>
+                        </a:rPr>
+                        <m:t>MAE</m:t>
+                      </m:r>
+                      <m:r>
+                        <m:rPr>
+                          <m:nor/>
+                        </m:rPr>
+                        <a:rPr lang="en-IN" b="0" i="0" smtClean="0">
+                          <a:solidFill>
+                            <a:schemeClr val="bg1"/>
+                          </a:solidFill>
+                        </a:rPr>
+                        <m:t> = </m:t>
+                      </m:r>
+                      <m:f>
+                        <m:fPr>
+                          <m:ctrlPr>
+                            <a:rPr lang="en-IN" b="0" i="1" smtClean="0">
+                              <a:solidFill>
+                                <a:schemeClr val="bg1"/>
+                              </a:solidFill>
+                              <a:latin typeface="Cambria Math" panose="02040503050406030204" pitchFamily="18" charset="0"/>
+                            </a:rPr>
+                          </m:ctrlPr>
+                        </m:fPr>
+                        <m:num>
+                          <m:r>
+                            <a:rPr lang="en-IN" b="0" i="1" smtClean="0">
+                              <a:solidFill>
+                                <a:schemeClr val="bg1"/>
+                              </a:solidFill>
+                              <a:latin typeface="Cambria Math" panose="02040503050406030204" pitchFamily="18" charset="0"/>
+                            </a:rPr>
+                            <m:t>1</m:t>
+                          </m:r>
+                        </m:num>
+                        <m:den>
+                          <m:r>
+                            <a:rPr lang="en-IN" b="0" i="1" smtClean="0">
+                              <a:solidFill>
+                                <a:schemeClr val="bg1"/>
+                              </a:solidFill>
+                              <a:latin typeface="Cambria Math" panose="02040503050406030204" pitchFamily="18" charset="0"/>
+                            </a:rPr>
+                            <m:t>𝑛</m:t>
+                          </m:r>
+                        </m:den>
+                      </m:f>
+                      <m:nary>
+                        <m:naryPr>
+                          <m:chr m:val="∑"/>
+                          <m:ctrlPr>
+                            <a:rPr lang="en-IN" b="0" i="1" smtClean="0">
+                              <a:solidFill>
+                                <a:schemeClr val="bg1"/>
+                              </a:solidFill>
+                              <a:latin typeface="Cambria Math" panose="02040503050406030204" pitchFamily="18" charset="0"/>
+                            </a:rPr>
+                          </m:ctrlPr>
+                        </m:naryPr>
+                        <m:sub>
+                          <m:r>
+                            <m:rPr>
+                              <m:brk m:alnAt="23"/>
+                            </m:rPr>
+                            <a:rPr lang="en-IN" b="0" i="1" smtClean="0">
+                              <a:solidFill>
+                                <a:schemeClr val="bg1"/>
+                              </a:solidFill>
+                              <a:latin typeface="Cambria Math" panose="02040503050406030204" pitchFamily="18" charset="0"/>
+                            </a:rPr>
+                            <m:t>𝑖</m:t>
+                          </m:r>
+                          <m:r>
+                            <a:rPr lang="en-IN" b="0" i="1" smtClean="0">
+                              <a:solidFill>
+                                <a:schemeClr val="bg1"/>
+                              </a:solidFill>
+                              <a:latin typeface="Cambria Math" panose="02040503050406030204" pitchFamily="18" charset="0"/>
+                            </a:rPr>
+                            <m:t>=1</m:t>
+                          </m:r>
+                        </m:sub>
+                        <m:sup>
+                          <m:r>
+                            <a:rPr lang="en-IN" b="0" i="1" smtClean="0">
+                              <a:solidFill>
+                                <a:schemeClr val="bg1"/>
+                              </a:solidFill>
+                              <a:latin typeface="Cambria Math" panose="02040503050406030204" pitchFamily="18" charset="0"/>
+                            </a:rPr>
+                            <m:t>𝑛</m:t>
+                          </m:r>
+                        </m:sup>
+                        <m:e>
+                          <m:r>
+                            <a:rPr lang="en-IN" b="0" i="1" smtClean="0">
+                              <a:solidFill>
+                                <a:schemeClr val="bg1"/>
+                              </a:solidFill>
+                              <a:latin typeface="Cambria Math" panose="02040503050406030204" pitchFamily="18" charset="0"/>
+                            </a:rPr>
+                            <m:t>|</m:t>
+                          </m:r>
+                          <m:r>
+                            <a:rPr lang="en-IN" b="0" i="1" smtClean="0">
+                              <a:solidFill>
+                                <a:schemeClr val="bg1"/>
+                              </a:solidFill>
+                              <a:latin typeface="Cambria Math" panose="02040503050406030204" pitchFamily="18" charset="0"/>
+                            </a:rPr>
+                            <m:t>𝑦𝑖</m:t>
+                          </m:r>
+                          <m:r>
+                            <a:rPr lang="en-IN" b="0" i="1" smtClean="0">
+                              <a:solidFill>
+                                <a:schemeClr val="bg1"/>
+                              </a:solidFill>
+                              <a:latin typeface="Cambria Math" panose="02040503050406030204" pitchFamily="18" charset="0"/>
+                            </a:rPr>
+                            <m:t>−</m:t>
+                          </m:r>
+                          <m:acc>
+                            <m:accPr>
+                              <m:chr m:val="̂"/>
+                              <m:ctrlPr>
+                                <a:rPr lang="en-IN" b="0" i="1" smtClean="0">
+                                  <a:solidFill>
+                                    <a:schemeClr val="bg1"/>
+                                  </a:solidFill>
+                                  <a:latin typeface="Cambria Math" panose="02040503050406030204" pitchFamily="18" charset="0"/>
+                                </a:rPr>
+                              </m:ctrlPr>
+                            </m:accPr>
+                            <m:e>
+                              <m:r>
+                                <a:rPr lang="en-IN" b="0" i="1" smtClean="0">
+                                  <a:solidFill>
+                                    <a:schemeClr val="bg1"/>
+                                  </a:solidFill>
+                                  <a:latin typeface="Cambria Math" panose="02040503050406030204" pitchFamily="18" charset="0"/>
+                                </a:rPr>
+                                <m:t>𝑦𝑖</m:t>
+                              </m:r>
+                            </m:e>
+                          </m:acc>
+                          <m:r>
+                            <a:rPr lang="en-IN" b="0" i="1" smtClean="0">
+                              <a:solidFill>
+                                <a:schemeClr val="bg1"/>
+                              </a:solidFill>
+                              <a:latin typeface="Cambria Math" panose="02040503050406030204" pitchFamily="18" charset="0"/>
+                            </a:rPr>
+                            <m:t>|</m:t>
+                          </m:r>
+                        </m:e>
+                      </m:nary>
+                    </m:oMath>
+                  </m:oMathPara>
+                </a14:m>
+                <a:endParaRPr lang="en-IN" dirty="0">
+                  <a:solidFill>
+                    <a:schemeClr val="bg1"/>
+                  </a:solidFill>
+                </a:endParaRPr>
+              </a:p>
+              <a:p>
+                <a:endParaRPr lang="en-IN" dirty="0">
+                  <a:solidFill>
+                    <a:schemeClr val="bg1"/>
+                  </a:solidFill>
+                </a:endParaRPr>
+              </a:p>
+              <a:p>
+                <a:endParaRPr lang="en-IN" b="1" dirty="0">
+                  <a:solidFill>
+                    <a:schemeClr val="bg1"/>
+                  </a:solidFill>
+                </a:endParaRPr>
+              </a:p>
+              <a:p>
+                <a:r>
+                  <a:rPr lang="en-IN" b="1" dirty="0">
+                    <a:solidFill>
+                      <a:schemeClr val="bg1"/>
+                    </a:solidFill>
+                  </a:rPr>
+                  <a:t>Mean Squared Error (MSE)</a:t>
+                </a:r>
+                <a:r>
+                  <a:rPr lang="en-IN" dirty="0">
+                    <a:solidFill>
+                      <a:schemeClr val="bg1"/>
+                    </a:solidFill>
+                  </a:rPr>
+                  <a:t>: </a:t>
+                </a:r>
+                <a:r>
+                  <a:rPr lang="en-GB" dirty="0">
+                    <a:solidFill>
+                      <a:schemeClr val="bg1"/>
+                    </a:solidFill>
+                  </a:rPr>
+                  <a:t>Penalizes larger errors more than smaller errors due to squaring the differences.</a:t>
+                </a:r>
+              </a:p>
+              <a:p>
+                <a14:m>
+                  <m:oMathPara xmlns:m="http://schemas.openxmlformats.org/officeDocument/2006/math">
+                    <m:oMathParaPr>
+                      <m:jc m:val="centerGroup"/>
+                    </m:oMathParaPr>
+                    <m:oMath xmlns:m="http://schemas.openxmlformats.org/officeDocument/2006/math">
+                      <m:r>
+                        <m:rPr>
+                          <m:nor/>
+                        </m:rPr>
+                        <a:rPr lang="en-IN" smtClean="0">
+                          <a:solidFill>
+                            <a:schemeClr val="bg1"/>
+                          </a:solidFill>
+                        </a:rPr>
+                        <m:t>M</m:t>
+                      </m:r>
+                      <m:r>
+                        <m:rPr>
+                          <m:nor/>
+                        </m:rPr>
+                        <a:rPr lang="en-IN" b="0" i="0" smtClean="0">
+                          <a:solidFill>
+                            <a:schemeClr val="bg1"/>
+                          </a:solidFill>
+                        </a:rPr>
+                        <m:t>S</m:t>
+                      </m:r>
+                      <m:r>
+                        <m:rPr>
+                          <m:nor/>
+                        </m:rPr>
+                        <a:rPr lang="en-IN" smtClean="0">
+                          <a:solidFill>
+                            <a:schemeClr val="bg1"/>
+                          </a:solidFill>
+                        </a:rPr>
+                        <m:t>E</m:t>
+                      </m:r>
+                      <m:r>
+                        <m:rPr>
+                          <m:nor/>
+                        </m:rPr>
+                        <a:rPr lang="en-IN" b="0" i="0" smtClean="0">
+                          <a:solidFill>
+                            <a:schemeClr val="bg1"/>
+                          </a:solidFill>
+                        </a:rPr>
+                        <m:t> = </m:t>
+                      </m:r>
+                      <m:f>
+                        <m:fPr>
+                          <m:ctrlPr>
+                            <a:rPr lang="en-IN" b="0" i="1" smtClean="0">
+                              <a:solidFill>
+                                <a:schemeClr val="bg1"/>
+                              </a:solidFill>
+                              <a:latin typeface="Cambria Math" panose="02040503050406030204" pitchFamily="18" charset="0"/>
+                            </a:rPr>
+                          </m:ctrlPr>
+                        </m:fPr>
+                        <m:num>
+                          <m:r>
+                            <a:rPr lang="en-IN" b="0" i="1" smtClean="0">
+                              <a:solidFill>
+                                <a:schemeClr val="bg1"/>
+                              </a:solidFill>
+                              <a:latin typeface="Cambria Math" panose="02040503050406030204" pitchFamily="18" charset="0"/>
+                            </a:rPr>
+                            <m:t>1</m:t>
+                          </m:r>
+                        </m:num>
+                        <m:den>
+                          <m:r>
+                            <a:rPr lang="en-IN" b="0" i="1" smtClean="0">
+                              <a:solidFill>
+                                <a:schemeClr val="bg1"/>
+                              </a:solidFill>
+                              <a:latin typeface="Cambria Math" panose="02040503050406030204" pitchFamily="18" charset="0"/>
+                            </a:rPr>
+                            <m:t>𝑛</m:t>
+                          </m:r>
+                        </m:den>
+                      </m:f>
+                      <m:nary>
+                        <m:naryPr>
+                          <m:chr m:val="∑"/>
+                          <m:ctrlPr>
+                            <a:rPr lang="en-IN" b="0" i="1" smtClean="0">
+                              <a:solidFill>
+                                <a:schemeClr val="bg1"/>
+                              </a:solidFill>
+                              <a:latin typeface="Cambria Math" panose="02040503050406030204" pitchFamily="18" charset="0"/>
+                            </a:rPr>
+                          </m:ctrlPr>
+                        </m:naryPr>
+                        <m:sub>
+                          <m:r>
+                            <m:rPr>
+                              <m:brk m:alnAt="23"/>
+                            </m:rPr>
+                            <a:rPr lang="en-IN" b="0" i="1" smtClean="0">
+                              <a:solidFill>
+                                <a:schemeClr val="bg1"/>
+                              </a:solidFill>
+                              <a:latin typeface="Cambria Math" panose="02040503050406030204" pitchFamily="18" charset="0"/>
+                            </a:rPr>
+                            <m:t>𝑖</m:t>
+                          </m:r>
+                          <m:r>
+                            <a:rPr lang="en-IN" b="0" i="1" smtClean="0">
+                              <a:solidFill>
+                                <a:schemeClr val="bg1"/>
+                              </a:solidFill>
+                              <a:latin typeface="Cambria Math" panose="02040503050406030204" pitchFamily="18" charset="0"/>
+                            </a:rPr>
+                            <m:t>=1</m:t>
+                          </m:r>
+                        </m:sub>
+                        <m:sup>
+                          <m:r>
+                            <a:rPr lang="en-IN" b="0" i="1" smtClean="0">
+                              <a:solidFill>
+                                <a:schemeClr val="bg1"/>
+                              </a:solidFill>
+                              <a:latin typeface="Cambria Math" panose="02040503050406030204" pitchFamily="18" charset="0"/>
+                            </a:rPr>
+                            <m:t>𝑛</m:t>
+                          </m:r>
+                        </m:sup>
+                        <m:e>
+                          <m:sSup>
+                            <m:sSupPr>
+                              <m:ctrlPr>
+                                <a:rPr lang="en-IN" b="0" i="1" smtClean="0">
+                                  <a:solidFill>
+                                    <a:schemeClr val="bg1"/>
+                                  </a:solidFill>
+                                  <a:latin typeface="Cambria Math" panose="02040503050406030204" pitchFamily="18" charset="0"/>
+                                </a:rPr>
+                              </m:ctrlPr>
+                            </m:sSupPr>
+                            <m:e>
+                              <m:d>
+                                <m:dPr>
+                                  <m:ctrlPr>
+                                    <a:rPr lang="en-IN" i="1">
+                                      <a:solidFill>
+                                        <a:schemeClr val="bg1"/>
+                                      </a:solidFill>
+                                      <a:latin typeface="Cambria Math" panose="02040503050406030204" pitchFamily="18" charset="0"/>
+                                    </a:rPr>
+                                  </m:ctrlPr>
+                                </m:dPr>
+                                <m:e>
+                                  <m:r>
+                                    <a:rPr lang="en-IN" i="1">
+                                      <a:solidFill>
+                                        <a:schemeClr val="bg1"/>
+                                      </a:solidFill>
+                                      <a:latin typeface="Cambria Math" panose="02040503050406030204" pitchFamily="18" charset="0"/>
+                                    </a:rPr>
+                                    <m:t>𝑦𝑖</m:t>
+                                  </m:r>
+                                  <m:r>
+                                    <a:rPr lang="en-IN" i="1">
+                                      <a:solidFill>
+                                        <a:schemeClr val="bg1"/>
+                                      </a:solidFill>
+                                      <a:latin typeface="Cambria Math" panose="02040503050406030204" pitchFamily="18" charset="0"/>
+                                    </a:rPr>
+                                    <m:t>−</m:t>
+                                  </m:r>
+                                  <m:acc>
+                                    <m:accPr>
+                                      <m:chr m:val="̂"/>
+                                      <m:ctrlPr>
+                                        <a:rPr lang="en-IN" i="1">
+                                          <a:solidFill>
+                                            <a:schemeClr val="bg1"/>
+                                          </a:solidFill>
+                                          <a:latin typeface="Cambria Math" panose="02040503050406030204" pitchFamily="18" charset="0"/>
+                                        </a:rPr>
+                                      </m:ctrlPr>
+                                    </m:accPr>
+                                    <m:e>
+                                      <m:r>
+                                        <a:rPr lang="en-IN" i="1">
+                                          <a:solidFill>
+                                            <a:schemeClr val="bg1"/>
+                                          </a:solidFill>
+                                          <a:latin typeface="Cambria Math" panose="02040503050406030204" pitchFamily="18" charset="0"/>
+                                        </a:rPr>
+                                        <m:t>𝑦𝑖</m:t>
+                                      </m:r>
+                                    </m:e>
+                                  </m:acc>
+                                </m:e>
+                              </m:d>
+                            </m:e>
+                            <m:sup>
+                              <m:r>
+                                <a:rPr lang="en-IN" b="0" i="1" smtClean="0">
+                                  <a:solidFill>
+                                    <a:schemeClr val="bg1"/>
+                                  </a:solidFill>
+                                  <a:latin typeface="Cambria Math" panose="02040503050406030204" pitchFamily="18" charset="0"/>
+                                </a:rPr>
+                                <m:t>2</m:t>
+                              </m:r>
+                            </m:sup>
+                          </m:sSup>
+                          <m:r>
+                            <a:rPr lang="en-IN" b="0" i="1" smtClean="0">
+                              <a:solidFill>
+                                <a:schemeClr val="bg1"/>
+                              </a:solidFill>
+                              <a:latin typeface="Cambria Math" panose="02040503050406030204" pitchFamily="18" charset="0"/>
+                            </a:rPr>
+                            <m:t> </m:t>
+                          </m:r>
+                        </m:e>
+                      </m:nary>
+                    </m:oMath>
+                  </m:oMathPara>
+                </a14:m>
+                <a:endParaRPr lang="en-GB" dirty="0">
+                  <a:solidFill>
+                    <a:schemeClr val="bg1"/>
+                  </a:solidFill>
+                </a:endParaRPr>
+              </a:p>
+              <a:p>
+                <a:endParaRPr lang="en-IN" dirty="0">
+                  <a:solidFill>
+                    <a:schemeClr val="bg1"/>
+                  </a:solidFill>
+                </a:endParaRPr>
+              </a:p>
+            </p:txBody>
+          </p:sp>
+        </mc:Choice>
+        <mc:Fallback>
+          <p:sp>
+            <p:nvSpPr>
+              <p:cNvPr id="8" name="TextBox 7">
+                <a:extLst>
+                  <a:ext uri="{FF2B5EF4-FFF2-40B4-BE49-F238E27FC236}">
+                    <a16:creationId xmlns:a16="http://schemas.microsoft.com/office/drawing/2014/main" id="{99F84FB0-A045-9971-6B88-9AB43B4E24EA}"/>
+                  </a:ext>
+                </a:extLst>
+              </p:cNvPr>
+              <p:cNvSpPr txBox="1">
+                <a:spLocks noRot="1" noChangeAspect="1" noMove="1" noResize="1" noEditPoints="1" noAdjustHandles="1" noChangeArrowheads="1" noChangeShapeType="1" noTextEdit="1"/>
+              </p:cNvSpPr>
+              <p:nvPr/>
+            </p:nvSpPr>
+            <p:spPr>
+              <a:xfrm>
+                <a:off x="895643" y="1659988"/>
+                <a:ext cx="10339754" cy="3820790"/>
+              </a:xfrm>
+              <a:prstGeom prst="rect">
+                <a:avLst/>
+              </a:prstGeom>
+              <a:blipFill>
+                <a:blip r:embed="rId2"/>
+                <a:stretch>
+                  <a:fillRect l="-531" t="-797"/>
+                </a:stretch>
+              </a:blipFill>
+            </p:spPr>
+            <p:txBody>
+              <a:bodyPr/>
+              <a:lstStyle/>
+              <a:p>
+                <a:r>
+                  <a:rPr lang="en-IN">
+                    <a:noFill/>
+                  </a:rPr>
+                  <a:t> </a:t>
+                </a:r>
+              </a:p>
+            </p:txBody>
+          </p:sp>
+        </mc:Fallback>
+      </mc:AlternateContent>
+    </p:spTree>
+    <p:extLst>
+      <p:ext uri="{BB962C8B-B14F-4D97-AF65-F5344CB8AC3E}">
+        <p14:creationId xmlns:p14="http://schemas.microsoft.com/office/powerpoint/2010/main" val="3111990743"/>
+      </p:ext>
+    </p:extLst>
+  </p:cSld>
+  <p:clrMapOvr>
+    <a:masterClrMapping/>
+  </p:clrMapOvr>
+</p:sld>
+</file>
+
+<file path=ppt/slides/slide24.xml><?xml version="1.0" encoding="utf-8"?>
+<p:sld xmlns:a="http://schemas.openxmlformats.org/drawingml/2006/main" xmlns:r="http://schemas.openxmlformats.org/officeDocument/2006/relationships" xmlns:p="http://schemas.openxmlformats.org/presentationml/2006/main" showMasterSp="0">
+  <p:cSld>
+    <p:spTree>
+      <p:nvGrpSpPr>
+        <p:cNvPr id="1" name=""/>
+        <p:cNvGrpSpPr/>
+        <p:nvPr/>
+      </p:nvGrpSpPr>
+      <p:grpSpPr>
+        <a:xfrm>
+          <a:off x="0" y="0"/>
+          <a:ext cx="0" cy="0"/>
+          <a:chOff x="0" y="0"/>
+          <a:chExt cx="0" cy="0"/>
+        </a:xfrm>
+      </p:grpSpPr>
+      <p:sp>
+        <p:nvSpPr>
+          <p:cNvPr id="7" name="TextBox 6">
+            <a:extLst>
+              <a:ext uri="{FF2B5EF4-FFF2-40B4-BE49-F238E27FC236}">
+                <a16:creationId xmlns:a16="http://schemas.microsoft.com/office/drawing/2014/main" id="{3237DB55-A6C3-0228-AB4A-DD4D9C765D2A}"/>
+              </a:ext>
+            </a:extLst>
+          </p:cNvPr>
+          <p:cNvSpPr txBox="1"/>
+          <p:nvPr/>
+        </p:nvSpPr>
+        <p:spPr>
+          <a:xfrm>
+            <a:off x="2070295" y="318868"/>
+            <a:ext cx="8051410" cy="523220"/>
+          </a:xfrm>
+          <a:prstGeom prst="rect">
+            <a:avLst/>
+          </a:prstGeom>
+          <a:noFill/>
+        </p:spPr>
+        <p:txBody>
+          <a:bodyPr wrap="square" rtlCol="0">
+            <a:spAutoFit/>
+          </a:bodyPr>
+          <a:lstStyle/>
+          <a:p>
+            <a:r>
+              <a:rPr lang="en-IN" sz="2800" dirty="0">
+                <a:solidFill>
+                  <a:schemeClr val="bg1"/>
+                </a:solidFill>
+              </a:rPr>
+              <a:t>MODEL EVALUATION FOR REGRESSION</a:t>
+            </a:r>
+          </a:p>
+        </p:txBody>
+      </p:sp>
+      <mc:AlternateContent xmlns:mc="http://schemas.openxmlformats.org/markup-compatibility/2006">
+        <mc:Choice xmlns:a14="http://schemas.microsoft.com/office/drawing/2010/main" Requires="a14">
+          <p:sp>
+            <p:nvSpPr>
+              <p:cNvPr id="8" name="TextBox 7">
+                <a:extLst>
+                  <a:ext uri="{FF2B5EF4-FFF2-40B4-BE49-F238E27FC236}">
+                    <a16:creationId xmlns:a16="http://schemas.microsoft.com/office/drawing/2014/main" id="{99F84FB0-A045-9971-6B88-9AB43B4E24EA}"/>
+                  </a:ext>
+                </a:extLst>
+              </p:cNvPr>
+              <p:cNvSpPr txBox="1"/>
+              <p:nvPr/>
+            </p:nvSpPr>
+            <p:spPr>
+              <a:xfrm>
+                <a:off x="905169" y="1659988"/>
+                <a:ext cx="10339754" cy="4240584"/>
+              </a:xfrm>
+              <a:prstGeom prst="rect">
+                <a:avLst/>
+              </a:prstGeom>
+              <a:noFill/>
+            </p:spPr>
+            <p:txBody>
+              <a:bodyPr wrap="square" rtlCol="0">
+                <a:spAutoFit/>
+              </a:bodyPr>
+              <a:lstStyle/>
+              <a:p>
+                <a:r>
+                  <a:rPr lang="en-GB" dirty="0">
+                    <a:solidFill>
+                      <a:schemeClr val="bg1"/>
+                    </a:solidFill>
+                  </a:rPr>
+                  <a:t>Root Mean Squared Error (RMSE): Provides error in the same unit as the output variable. It’s more sensitive to outliers.</a:t>
+                </a:r>
+                <a:endParaRPr lang="en-IN" dirty="0">
+                  <a:solidFill>
+                    <a:schemeClr val="bg1"/>
+                  </a:solidFill>
+                </a:endParaRPr>
+              </a:p>
+              <a:p>
+                <a:endParaRPr lang="en-IN" dirty="0">
+                  <a:solidFill>
+                    <a:schemeClr val="bg1"/>
+                  </a:solidFill>
+                </a:endParaRPr>
+              </a:p>
+              <a:p>
+                <a:pPr/>
+                <a14:m>
+                  <m:oMathPara xmlns:m="http://schemas.openxmlformats.org/officeDocument/2006/math">
+                    <m:oMathParaPr>
+                      <m:jc m:val="centerGroup"/>
+                    </m:oMathParaPr>
+                    <m:oMath xmlns:m="http://schemas.openxmlformats.org/officeDocument/2006/math">
+                      <m:r>
+                        <m:rPr>
+                          <m:nor/>
+                        </m:rPr>
+                        <a:rPr lang="en-IN">
+                          <a:solidFill>
+                            <a:schemeClr val="bg1"/>
+                          </a:solidFill>
+                        </a:rPr>
+                        <m:t>MAE</m:t>
+                      </m:r>
+                      <m:r>
+                        <m:rPr>
+                          <m:nor/>
+                        </m:rPr>
+                        <a:rPr lang="en-IN" b="0" i="0" smtClean="0">
+                          <a:solidFill>
+                            <a:schemeClr val="bg1"/>
+                          </a:solidFill>
+                        </a:rPr>
+                        <m:t> = </m:t>
+                      </m:r>
+                      <m:rad>
+                        <m:radPr>
+                          <m:degHide m:val="on"/>
+                          <m:ctrlPr>
+                            <a:rPr lang="en-IN" b="0" i="1" smtClean="0">
+                              <a:solidFill>
+                                <a:schemeClr val="bg1"/>
+                              </a:solidFill>
+                              <a:latin typeface="Cambria Math" panose="02040503050406030204" pitchFamily="18" charset="0"/>
+                            </a:rPr>
+                          </m:ctrlPr>
+                        </m:radPr>
+                        <m:deg/>
+                        <m:e>
+                          <m:f>
+                            <m:fPr>
+                              <m:ctrlPr>
+                                <a:rPr lang="en-IN" b="0" i="1" smtClean="0">
+                                  <a:solidFill>
+                                    <a:schemeClr val="bg1"/>
+                                  </a:solidFill>
+                                  <a:latin typeface="Cambria Math" panose="02040503050406030204" pitchFamily="18" charset="0"/>
+                                </a:rPr>
+                              </m:ctrlPr>
+                            </m:fPr>
+                            <m:num>
+                              <m:r>
+                                <a:rPr lang="en-IN" b="0" i="1" smtClean="0">
+                                  <a:solidFill>
+                                    <a:schemeClr val="bg1"/>
+                                  </a:solidFill>
+                                  <a:latin typeface="Cambria Math" panose="02040503050406030204" pitchFamily="18" charset="0"/>
+                                </a:rPr>
+                                <m:t>1</m:t>
+                              </m:r>
+                            </m:num>
+                            <m:den>
+                              <m:r>
+                                <a:rPr lang="en-IN" b="0" i="1" smtClean="0">
+                                  <a:solidFill>
+                                    <a:schemeClr val="bg1"/>
+                                  </a:solidFill>
+                                  <a:latin typeface="Cambria Math" panose="02040503050406030204" pitchFamily="18" charset="0"/>
+                                </a:rPr>
+                                <m:t>𝑛</m:t>
+                              </m:r>
+                            </m:den>
+                          </m:f>
+                        </m:e>
+                      </m:rad>
+                      <m:nary>
+                        <m:naryPr>
+                          <m:chr m:val="∑"/>
+                          <m:ctrlPr>
+                            <a:rPr lang="en-IN" b="0" i="1" smtClean="0">
+                              <a:solidFill>
+                                <a:schemeClr val="bg1"/>
+                              </a:solidFill>
+                              <a:latin typeface="Cambria Math" panose="02040503050406030204" pitchFamily="18" charset="0"/>
+                            </a:rPr>
+                          </m:ctrlPr>
+                        </m:naryPr>
+                        <m:sub>
+                          <m:r>
+                            <m:rPr>
+                              <m:brk m:alnAt="23"/>
+                            </m:rPr>
+                            <a:rPr lang="en-IN" b="0" i="1" smtClean="0">
+                              <a:solidFill>
+                                <a:schemeClr val="bg1"/>
+                              </a:solidFill>
+                              <a:latin typeface="Cambria Math" panose="02040503050406030204" pitchFamily="18" charset="0"/>
+                            </a:rPr>
+                            <m:t>𝑖</m:t>
+                          </m:r>
+                          <m:r>
+                            <a:rPr lang="en-IN" b="0" i="1" smtClean="0">
+                              <a:solidFill>
+                                <a:schemeClr val="bg1"/>
+                              </a:solidFill>
+                              <a:latin typeface="Cambria Math" panose="02040503050406030204" pitchFamily="18" charset="0"/>
+                            </a:rPr>
+                            <m:t>=1</m:t>
+                          </m:r>
+                        </m:sub>
+                        <m:sup>
+                          <m:r>
+                            <a:rPr lang="en-IN" b="0" i="1" smtClean="0">
+                              <a:solidFill>
+                                <a:schemeClr val="bg1"/>
+                              </a:solidFill>
+                              <a:latin typeface="Cambria Math" panose="02040503050406030204" pitchFamily="18" charset="0"/>
+                            </a:rPr>
+                            <m:t>𝑛</m:t>
+                          </m:r>
+                        </m:sup>
+                        <m:e>
+                          <m:sSup>
+                            <m:sSupPr>
+                              <m:ctrlPr>
+                                <a:rPr lang="en-IN" b="0" i="1" smtClean="0">
+                                  <a:solidFill>
+                                    <a:schemeClr val="bg1"/>
+                                  </a:solidFill>
+                                  <a:latin typeface="Cambria Math" panose="02040503050406030204" pitchFamily="18" charset="0"/>
+                                </a:rPr>
+                              </m:ctrlPr>
+                            </m:sSupPr>
+                            <m:e>
+                              <m:r>
+                                <a:rPr lang="en-IN" i="1">
+                                  <a:solidFill>
+                                    <a:schemeClr val="bg1"/>
+                                  </a:solidFill>
+                                  <a:latin typeface="Cambria Math" panose="02040503050406030204" pitchFamily="18" charset="0"/>
+                                </a:rPr>
+                                <m:t>(</m:t>
+                              </m:r>
+                              <m:r>
+                                <a:rPr lang="en-IN" i="1">
+                                  <a:solidFill>
+                                    <a:schemeClr val="bg1"/>
+                                  </a:solidFill>
+                                  <a:latin typeface="Cambria Math" panose="02040503050406030204" pitchFamily="18" charset="0"/>
+                                </a:rPr>
+                                <m:t>𝑦𝑖</m:t>
+                              </m:r>
+                              <m:r>
+                                <a:rPr lang="en-IN" i="1">
+                                  <a:solidFill>
+                                    <a:schemeClr val="bg1"/>
+                                  </a:solidFill>
+                                  <a:latin typeface="Cambria Math" panose="02040503050406030204" pitchFamily="18" charset="0"/>
+                                </a:rPr>
+                                <m:t>−</m:t>
+                              </m:r>
+                              <m:acc>
+                                <m:accPr>
+                                  <m:chr m:val="̂"/>
+                                  <m:ctrlPr>
+                                    <a:rPr lang="en-IN" i="1">
+                                      <a:solidFill>
+                                        <a:schemeClr val="bg1"/>
+                                      </a:solidFill>
+                                      <a:latin typeface="Cambria Math" panose="02040503050406030204" pitchFamily="18" charset="0"/>
+                                    </a:rPr>
+                                  </m:ctrlPr>
+                                </m:accPr>
+                                <m:e>
+                                  <m:r>
+                                    <a:rPr lang="en-IN" i="1">
+                                      <a:solidFill>
+                                        <a:schemeClr val="bg1"/>
+                                      </a:solidFill>
+                                      <a:latin typeface="Cambria Math" panose="02040503050406030204" pitchFamily="18" charset="0"/>
+                                    </a:rPr>
+                                    <m:t>𝑦𝑖</m:t>
+                                  </m:r>
+                                </m:e>
+                              </m:acc>
+                              <m:r>
+                                <a:rPr lang="en-IN" i="1">
+                                  <a:solidFill>
+                                    <a:schemeClr val="bg1"/>
+                                  </a:solidFill>
+                                  <a:latin typeface="Cambria Math" panose="02040503050406030204" pitchFamily="18" charset="0"/>
+                                </a:rPr>
+                                <m:t>)</m:t>
+                              </m:r>
+                            </m:e>
+                            <m:sup>
+                              <m:r>
+                                <a:rPr lang="en-IN" b="0" i="1" smtClean="0">
+                                  <a:solidFill>
+                                    <a:schemeClr val="bg1"/>
+                                  </a:solidFill>
+                                  <a:latin typeface="Cambria Math" panose="02040503050406030204" pitchFamily="18" charset="0"/>
+                                </a:rPr>
+                                <m:t>2</m:t>
+                              </m:r>
+                            </m:sup>
+                          </m:sSup>
+                        </m:e>
+                      </m:nary>
+                    </m:oMath>
+                  </m:oMathPara>
+                </a14:m>
+                <a:endParaRPr lang="en-IN" dirty="0">
+                  <a:solidFill>
+                    <a:schemeClr val="bg1"/>
+                  </a:solidFill>
+                </a:endParaRPr>
+              </a:p>
+              <a:p>
+                <a:endParaRPr lang="en-IN" dirty="0">
+                  <a:solidFill>
+                    <a:schemeClr val="bg1"/>
+                  </a:solidFill>
+                </a:endParaRPr>
+              </a:p>
+              <a:p>
+                <a:endParaRPr lang="en-IN" b="1" dirty="0">
+                  <a:solidFill>
+                    <a:schemeClr val="bg1"/>
+                  </a:solidFill>
+                </a:endParaRPr>
+              </a:p>
+              <a:p>
+                <a:r>
+                  <a:rPr lang="en-IN" dirty="0">
+                    <a:solidFill>
+                      <a:schemeClr val="bg1"/>
+                    </a:solidFill>
+                  </a:rPr>
+                  <a:t>R-squared (R²) : </a:t>
+                </a:r>
+                <a:r>
+                  <a:rPr lang="en-GB" dirty="0">
+                    <a:solidFill>
+                      <a:schemeClr val="bg1"/>
+                    </a:solidFill>
+                  </a:rPr>
+                  <a:t>Measures the proportion of variance in the dependent variable that is predictable from the independent variables. Values range from 0 to 1, with 1 being a perfect fit.</a:t>
+                </a:r>
+              </a:p>
+              <a:p>
+                <a:pPr/>
+                <a:r>
+                  <a:rPr lang="en-IN" b="0" dirty="0">
+                    <a:solidFill>
+                      <a:schemeClr val="bg1"/>
+                    </a:solidFill>
+                  </a:rPr>
+                  <a:t>                                    </a:t>
+                </a:r>
+              </a:p>
+              <a:p>
+                <a:pPr/>
+                <a:r>
+                  <a:rPr lang="en-IN" sz="2000" dirty="0">
+                    <a:solidFill>
+                      <a:schemeClr val="bg1"/>
+                    </a:solidFill>
+                  </a:rPr>
+                  <a:t>                                 </a:t>
+                </a:r>
+                <a:r>
+                  <a:rPr lang="en-IN" sz="2000" b="0" dirty="0">
+                    <a:solidFill>
+                      <a:schemeClr val="bg1"/>
+                    </a:solidFill>
+                  </a:rPr>
+                  <a:t> </a:t>
+                </a:r>
+                <a14:m>
+                  <m:oMath xmlns:m="http://schemas.openxmlformats.org/officeDocument/2006/math">
+                    <m:sSup>
+                      <m:sSupPr>
+                        <m:ctrlPr>
+                          <a:rPr lang="en-IN" sz="2000" b="0" i="1" smtClean="0">
+                            <a:solidFill>
+                              <a:schemeClr val="bg1"/>
+                            </a:solidFill>
+                            <a:latin typeface="Cambria Math" panose="02040503050406030204" pitchFamily="18" charset="0"/>
+                          </a:rPr>
+                        </m:ctrlPr>
+                      </m:sSupPr>
+                      <m:e>
+                        <m:r>
+                          <a:rPr lang="en-IN" sz="2000" b="0" i="1" smtClean="0">
+                            <a:solidFill>
+                              <a:schemeClr val="bg1"/>
+                            </a:solidFill>
+                            <a:latin typeface="Cambria Math" panose="02040503050406030204" pitchFamily="18" charset="0"/>
+                          </a:rPr>
+                          <m:t>𝑅</m:t>
+                        </m:r>
+                      </m:e>
+                      <m:sup>
+                        <m:r>
+                          <a:rPr lang="en-IN" sz="2000" b="0" i="1" smtClean="0">
+                            <a:solidFill>
+                              <a:schemeClr val="bg1"/>
+                            </a:solidFill>
+                            <a:latin typeface="Cambria Math" panose="02040503050406030204" pitchFamily="18" charset="0"/>
+                          </a:rPr>
+                          <m:t>2</m:t>
+                        </m:r>
+                      </m:sup>
+                    </m:sSup>
+                    <m:r>
+                      <m:rPr>
+                        <m:nor/>
+                      </m:rPr>
+                      <a:rPr lang="en-IN" sz="2000" b="0" i="0" smtClean="0">
+                        <a:solidFill>
+                          <a:schemeClr val="bg1"/>
+                        </a:solidFill>
+                      </a:rPr>
+                      <m:t>=</m:t>
+                    </m:r>
+                    <m:r>
+                      <m:rPr>
+                        <m:nor/>
+                      </m:rPr>
+                      <a:rPr lang="en-IN" sz="2000" b="0" i="0" smtClean="0">
+                        <a:solidFill>
+                          <a:schemeClr val="bg1"/>
+                        </a:solidFill>
+                      </a:rPr>
+                      <m:t>1 - </m:t>
+                    </m:r>
+                    <m:f>
+                      <m:fPr>
+                        <m:ctrlPr>
+                          <a:rPr lang="en-IN" sz="2000" b="0" i="1" smtClean="0">
+                            <a:solidFill>
+                              <a:schemeClr val="bg1"/>
+                            </a:solidFill>
+                            <a:latin typeface="Cambria Math" panose="02040503050406030204" pitchFamily="18" charset="0"/>
+                          </a:rPr>
+                        </m:ctrlPr>
+                      </m:fPr>
+                      <m:num>
+                        <m:nary>
+                          <m:naryPr>
+                            <m:chr m:val="∑"/>
+                            <m:ctrlPr>
+                              <a:rPr lang="en-IN" sz="2000" b="0" i="1" smtClean="0">
+                                <a:solidFill>
+                                  <a:schemeClr val="bg1"/>
+                                </a:solidFill>
+                                <a:latin typeface="Cambria Math" panose="02040503050406030204" pitchFamily="18" charset="0"/>
+                              </a:rPr>
+                            </m:ctrlPr>
+                          </m:naryPr>
+                          <m:sub>
+                            <m:r>
+                              <m:rPr>
+                                <m:brk m:alnAt="23"/>
+                              </m:rPr>
+                              <a:rPr lang="en-IN" sz="2000" b="0" i="1" smtClean="0">
+                                <a:solidFill>
+                                  <a:schemeClr val="bg1"/>
+                                </a:solidFill>
+                                <a:latin typeface="Cambria Math" panose="02040503050406030204" pitchFamily="18" charset="0"/>
+                              </a:rPr>
+                              <m:t>𝑖</m:t>
+                            </m:r>
+                            <m:r>
+                              <a:rPr lang="en-IN" sz="2000" b="0" i="1" smtClean="0">
+                                <a:solidFill>
+                                  <a:schemeClr val="bg1"/>
+                                </a:solidFill>
+                                <a:latin typeface="Cambria Math" panose="02040503050406030204" pitchFamily="18" charset="0"/>
+                              </a:rPr>
+                              <m:t>−1</m:t>
+                            </m:r>
+                          </m:sub>
+                          <m:sup>
+                            <m:r>
+                              <a:rPr lang="en-IN" sz="2000" b="0" i="1" smtClean="0">
+                                <a:solidFill>
+                                  <a:schemeClr val="bg1"/>
+                                </a:solidFill>
+                                <a:latin typeface="Cambria Math" panose="02040503050406030204" pitchFamily="18" charset="0"/>
+                              </a:rPr>
+                              <m:t>𝑛</m:t>
+                            </m:r>
+                          </m:sup>
+                          <m:e>
+                            <m:r>
+                              <a:rPr lang="en-IN" sz="2000" b="0" i="1" smtClean="0">
+                                <a:solidFill>
+                                  <a:schemeClr val="bg1"/>
+                                </a:solidFill>
+                                <a:latin typeface="Cambria Math" panose="02040503050406030204" pitchFamily="18" charset="0"/>
+                              </a:rPr>
+                              <m:t>(</m:t>
+                            </m:r>
+                            <m:sSup>
+                              <m:sSupPr>
+                                <m:ctrlPr>
+                                  <a:rPr lang="en-IN" sz="2000" b="0" i="1" smtClean="0">
+                                    <a:solidFill>
+                                      <a:schemeClr val="bg1"/>
+                                    </a:solidFill>
+                                    <a:latin typeface="Cambria Math" panose="02040503050406030204" pitchFamily="18" charset="0"/>
+                                  </a:rPr>
+                                </m:ctrlPr>
+                              </m:sSupPr>
+                              <m:e>
+                                <m:r>
+                                  <a:rPr lang="en-IN" sz="2000" b="0" i="1" smtClean="0">
+                                    <a:solidFill>
+                                      <a:schemeClr val="bg1"/>
+                                    </a:solidFill>
+                                    <a:latin typeface="Cambria Math" panose="02040503050406030204" pitchFamily="18" charset="0"/>
+                                  </a:rPr>
+                                  <m:t>𝑦𝑖</m:t>
+                                </m:r>
+                                <m:r>
+                                  <a:rPr lang="en-IN" sz="2000" b="0" i="1" smtClean="0">
+                                    <a:solidFill>
+                                      <a:schemeClr val="bg1"/>
+                                    </a:solidFill>
+                                    <a:latin typeface="Cambria Math" panose="02040503050406030204" pitchFamily="18" charset="0"/>
+                                  </a:rPr>
+                                  <m:t>−</m:t>
+                                </m:r>
+                                <m:acc>
+                                  <m:accPr>
+                                    <m:chr m:val="̂"/>
+                                    <m:ctrlPr>
+                                      <a:rPr lang="en-IN" sz="2000" b="0" i="1" smtClean="0">
+                                        <a:solidFill>
+                                          <a:schemeClr val="bg1"/>
+                                        </a:solidFill>
+                                        <a:latin typeface="Cambria Math" panose="02040503050406030204" pitchFamily="18" charset="0"/>
+                                      </a:rPr>
+                                    </m:ctrlPr>
+                                  </m:accPr>
+                                  <m:e>
+                                    <m:r>
+                                      <a:rPr lang="en-IN" sz="2000" b="0" i="1" smtClean="0">
+                                        <a:solidFill>
+                                          <a:schemeClr val="bg1"/>
+                                        </a:solidFill>
+                                        <a:latin typeface="Cambria Math" panose="02040503050406030204" pitchFamily="18" charset="0"/>
+                                      </a:rPr>
+                                      <m:t>𝑦</m:t>
+                                    </m:r>
+                                  </m:e>
+                                </m:acc>
+                                <m:r>
+                                  <a:rPr lang="en-IN" sz="2000" b="0" i="1" smtClean="0">
+                                    <a:solidFill>
+                                      <a:schemeClr val="bg1"/>
+                                    </a:solidFill>
+                                    <a:latin typeface="Cambria Math" panose="02040503050406030204" pitchFamily="18" charset="0"/>
+                                  </a:rPr>
+                                  <m:t>𝑖</m:t>
+                                </m:r>
+                                <m:r>
+                                  <a:rPr lang="en-IN" sz="2000" b="0" i="1" smtClean="0">
+                                    <a:solidFill>
+                                      <a:schemeClr val="bg1"/>
+                                    </a:solidFill>
+                                    <a:latin typeface="Cambria Math" panose="02040503050406030204" pitchFamily="18" charset="0"/>
+                                  </a:rPr>
+                                  <m:t>)</m:t>
+                                </m:r>
+                              </m:e>
+                              <m:sup>
+                                <m:r>
+                                  <a:rPr lang="en-IN" sz="2000" b="0" i="1" smtClean="0">
+                                    <a:solidFill>
+                                      <a:schemeClr val="bg1"/>
+                                    </a:solidFill>
+                                    <a:latin typeface="Cambria Math" panose="02040503050406030204" pitchFamily="18" charset="0"/>
+                                  </a:rPr>
+                                  <m:t>2</m:t>
+                                </m:r>
+                              </m:sup>
+                            </m:sSup>
+                          </m:e>
+                        </m:nary>
+                      </m:num>
+                      <m:den>
+                        <m:nary>
+                          <m:naryPr>
+                            <m:chr m:val="∑"/>
+                            <m:ctrlPr>
+                              <a:rPr lang="en-IN" sz="2000" b="0" i="1" smtClean="0">
+                                <a:solidFill>
+                                  <a:schemeClr val="bg1"/>
+                                </a:solidFill>
+                                <a:latin typeface="Cambria Math" panose="02040503050406030204" pitchFamily="18" charset="0"/>
+                              </a:rPr>
+                            </m:ctrlPr>
+                          </m:naryPr>
+                          <m:sub>
+                            <m:r>
+                              <m:rPr>
+                                <m:brk m:alnAt="23"/>
+                              </m:rPr>
+                              <a:rPr lang="en-IN" sz="2000" b="0" i="1" smtClean="0">
+                                <a:solidFill>
+                                  <a:schemeClr val="bg1"/>
+                                </a:solidFill>
+                                <a:latin typeface="Cambria Math" panose="02040503050406030204" pitchFamily="18" charset="0"/>
+                              </a:rPr>
+                              <m:t>𝑖</m:t>
+                            </m:r>
+                            <m:r>
+                              <a:rPr lang="en-IN" sz="2000" b="0" i="1" smtClean="0">
+                                <a:solidFill>
+                                  <a:schemeClr val="bg1"/>
+                                </a:solidFill>
+                                <a:latin typeface="Cambria Math" panose="02040503050406030204" pitchFamily="18" charset="0"/>
+                              </a:rPr>
+                              <m:t>=1</m:t>
+                            </m:r>
+                          </m:sub>
+                          <m:sup>
+                            <m:r>
+                              <a:rPr lang="en-IN" sz="2000" b="0" i="1" smtClean="0">
+                                <a:solidFill>
+                                  <a:schemeClr val="bg1"/>
+                                </a:solidFill>
+                                <a:latin typeface="Cambria Math" panose="02040503050406030204" pitchFamily="18" charset="0"/>
+                              </a:rPr>
+                              <m:t>𝑛</m:t>
+                            </m:r>
+                          </m:sup>
+                          <m:e>
+                            <m:sSup>
+                              <m:sSupPr>
+                                <m:ctrlPr>
+                                  <a:rPr lang="en-IN" sz="2000" b="0" i="1" smtClean="0">
+                                    <a:solidFill>
+                                      <a:schemeClr val="bg1"/>
+                                    </a:solidFill>
+                                    <a:latin typeface="Cambria Math" panose="02040503050406030204" pitchFamily="18" charset="0"/>
+                                  </a:rPr>
+                                </m:ctrlPr>
+                              </m:sSupPr>
+                              <m:e>
+                                <m:r>
+                                  <a:rPr lang="en-IN" sz="2000" i="1">
+                                    <a:solidFill>
+                                      <a:schemeClr val="bg1"/>
+                                    </a:solidFill>
+                                    <a:latin typeface="Cambria Math" panose="02040503050406030204" pitchFamily="18" charset="0"/>
+                                  </a:rPr>
+                                  <m:t>(</m:t>
+                                </m:r>
+                                <m:r>
+                                  <a:rPr lang="en-IN" sz="2000" i="1">
+                                    <a:solidFill>
+                                      <a:schemeClr val="bg1"/>
+                                    </a:solidFill>
+                                    <a:latin typeface="Cambria Math" panose="02040503050406030204" pitchFamily="18" charset="0"/>
+                                  </a:rPr>
+                                  <m:t>𝑦𝑖</m:t>
+                                </m:r>
+                                <m:r>
+                                  <a:rPr lang="en-IN" sz="2000" i="1">
+                                    <a:solidFill>
+                                      <a:schemeClr val="bg1"/>
+                                    </a:solidFill>
+                                    <a:latin typeface="Cambria Math" panose="02040503050406030204" pitchFamily="18" charset="0"/>
+                                  </a:rPr>
+                                  <m:t>−</m:t>
+                                </m:r>
+                                <m:acc>
+                                  <m:accPr>
+                                    <m:chr m:val="̅"/>
+                                    <m:ctrlPr>
+                                      <a:rPr lang="en-IN" sz="2000" i="1">
+                                        <a:solidFill>
+                                          <a:schemeClr val="bg1"/>
+                                        </a:solidFill>
+                                        <a:latin typeface="Cambria Math" panose="02040503050406030204" pitchFamily="18" charset="0"/>
+                                      </a:rPr>
+                                    </m:ctrlPr>
+                                  </m:accPr>
+                                  <m:e>
+                                    <m:r>
+                                      <a:rPr lang="en-IN" sz="2000" i="1">
+                                        <a:solidFill>
+                                          <a:schemeClr val="bg1"/>
+                                        </a:solidFill>
+                                        <a:latin typeface="Cambria Math" panose="02040503050406030204" pitchFamily="18" charset="0"/>
+                                      </a:rPr>
+                                      <m:t>𝑦</m:t>
+                                    </m:r>
+                                  </m:e>
+                                </m:acc>
+                                <m:r>
+                                  <a:rPr lang="en-IN" sz="2000" i="1">
+                                    <a:solidFill>
+                                      <a:schemeClr val="bg1"/>
+                                    </a:solidFill>
+                                    <a:latin typeface="Cambria Math" panose="02040503050406030204" pitchFamily="18" charset="0"/>
+                                  </a:rPr>
+                                  <m:t>𝑖</m:t>
+                                </m:r>
+                                <m:r>
+                                  <a:rPr lang="en-IN" sz="2000" i="1">
+                                    <a:solidFill>
+                                      <a:schemeClr val="bg1"/>
+                                    </a:solidFill>
+                                    <a:latin typeface="Cambria Math" panose="02040503050406030204" pitchFamily="18" charset="0"/>
+                                  </a:rPr>
+                                  <m:t>)</m:t>
+                                </m:r>
+                              </m:e>
+                              <m:sup>
+                                <m:r>
+                                  <a:rPr lang="en-IN" sz="2000" b="0" i="1" smtClean="0">
+                                    <a:solidFill>
+                                      <a:schemeClr val="bg1"/>
+                                    </a:solidFill>
+                                    <a:latin typeface="Cambria Math" panose="02040503050406030204" pitchFamily="18" charset="0"/>
+                                  </a:rPr>
+                                  <m:t>2</m:t>
+                                </m:r>
+                              </m:sup>
+                            </m:sSup>
+                          </m:e>
+                        </m:nary>
+                      </m:den>
+                    </m:f>
+                  </m:oMath>
+                </a14:m>
+                <a:endParaRPr lang="en-GB" sz="2000" dirty="0">
+                  <a:solidFill>
+                    <a:schemeClr val="bg1"/>
+                  </a:solidFill>
+                </a:endParaRPr>
+              </a:p>
+              <a:p>
+                <a:endParaRPr lang="en-IN" dirty="0">
+                  <a:solidFill>
+                    <a:schemeClr val="bg1"/>
+                  </a:solidFill>
+                </a:endParaRPr>
+              </a:p>
+            </p:txBody>
+          </p:sp>
+        </mc:Choice>
+        <mc:Fallback>
+          <p:sp>
+            <p:nvSpPr>
+              <p:cNvPr id="8" name="TextBox 7">
+                <a:extLst>
+                  <a:ext uri="{FF2B5EF4-FFF2-40B4-BE49-F238E27FC236}">
+                    <a16:creationId xmlns:a16="http://schemas.microsoft.com/office/drawing/2014/main" id="{99F84FB0-A045-9971-6B88-9AB43B4E24EA}"/>
+                  </a:ext>
+                </a:extLst>
+              </p:cNvPr>
+              <p:cNvSpPr txBox="1">
+                <a:spLocks noRot="1" noChangeAspect="1" noMove="1" noResize="1" noEditPoints="1" noAdjustHandles="1" noChangeArrowheads="1" noChangeShapeType="1" noTextEdit="1"/>
+              </p:cNvSpPr>
+              <p:nvPr/>
+            </p:nvSpPr>
+            <p:spPr>
+              <a:xfrm>
+                <a:off x="905169" y="1659988"/>
+                <a:ext cx="10339754" cy="4240584"/>
+              </a:xfrm>
+              <a:prstGeom prst="rect">
+                <a:avLst/>
+              </a:prstGeom>
+              <a:blipFill>
+                <a:blip r:embed="rId2"/>
+                <a:stretch>
+                  <a:fillRect l="-471" t="-718" r="-707"/>
+                </a:stretch>
+              </a:blipFill>
+            </p:spPr>
+            <p:txBody>
+              <a:bodyPr/>
+              <a:lstStyle/>
+              <a:p>
+                <a:r>
+                  <a:rPr lang="en-IN">
+                    <a:noFill/>
+                  </a:rPr>
+                  <a:t> </a:t>
+                </a:r>
+              </a:p>
+            </p:txBody>
+          </p:sp>
+        </mc:Fallback>
+      </mc:AlternateContent>
+    </p:spTree>
+    <p:extLst>
+      <p:ext uri="{BB962C8B-B14F-4D97-AF65-F5344CB8AC3E}">
+        <p14:creationId xmlns:p14="http://schemas.microsoft.com/office/powerpoint/2010/main" val="1865693275"/>
+      </p:ext>
+    </p:extLst>
+  </p:cSld>
+  <p:clrMapOvr>
+    <a:masterClrMapping/>
+  </p:clrMapOvr>
+</p:sld>
+</file>
+
+<file path=ppt/slides/slide25.xml><?xml version="1.0" encoding="utf-8"?>
+<p:sld xmlns:a="http://schemas.openxmlformats.org/drawingml/2006/main" xmlns:r="http://schemas.openxmlformats.org/officeDocument/2006/relationships" xmlns:p="http://schemas.openxmlformats.org/presentationml/2006/main">
+  <p:cSld>
+    <p:spTree>
+      <p:nvGrpSpPr>
+        <p:cNvPr id="1" name=""/>
+        <p:cNvGrpSpPr/>
+        <p:nvPr/>
+      </p:nvGrpSpPr>
+      <p:grpSpPr>
+        <a:xfrm>
+          <a:off x="0" y="0"/>
+          <a:ext cx="0" cy="0"/>
+          <a:chOff x="0" y="0"/>
+          <a:chExt cx="0" cy="0"/>
+        </a:xfrm>
+      </p:grpSpPr>
+      <p:sp>
+        <p:nvSpPr>
+          <p:cNvPr id="2" name="Title 1">
+            <a:extLst>
+              <a:ext uri="{FF2B5EF4-FFF2-40B4-BE49-F238E27FC236}">
+                <a16:creationId xmlns:a16="http://schemas.microsoft.com/office/drawing/2014/main" id="{6522A09B-19C7-8AF0-A4BD-79DAA48DE97C}"/>
+              </a:ext>
+            </a:extLst>
+          </p:cNvPr>
+          <p:cNvSpPr>
+            <a:spLocks noGrp="1"/>
+          </p:cNvSpPr>
+          <p:nvPr>
+            <p:ph type="title"/>
+          </p:nvPr>
+        </p:nvSpPr>
+        <p:spPr>
+          <a:xfrm>
+            <a:off x="2105572" y="1632262"/>
+            <a:ext cx="8671696" cy="3373515"/>
+          </a:xfrm>
+        </p:spPr>
+        <p:txBody>
+          <a:bodyPr/>
+          <a:lstStyle/>
+          <a:p>
+            <a:r>
+              <a:rPr lang="en-IN" dirty="0"/>
+              <a:t>Thank You !!</a:t>
+            </a:r>
+          </a:p>
+        </p:txBody>
+      </p:sp>
+    </p:spTree>
+    <p:extLst>
+      <p:ext uri="{BB962C8B-B14F-4D97-AF65-F5344CB8AC3E}">
+        <p14:creationId xmlns:p14="http://schemas.microsoft.com/office/powerpoint/2010/main" val="2208676652"/>
       </p:ext>
     </p:extLst>
   </p:cSld>
@@ -20964,15 +24604,6 @@
 </file>
 
 <file path=customXml/item2.xml><?xml version="1.0" encoding="utf-8"?>
-<?mso-contentType ?>
-<FormTemplates xmlns="http://schemas.microsoft.com/sharepoint/v3/contenttype/forms">
-  <Display>DocumentLibraryForm</Display>
-  <Edit>DocumentLibraryForm</Edit>
-  <New>DocumentLibraryForm</New>
-</FormTemplates>
-</file>
-
-<file path=customXml/item3.xml><?xml version="1.0" encoding="utf-8"?>
 <ct:contentTypeSchema xmlns:ct="http://schemas.microsoft.com/office/2006/metadata/contentType" xmlns:ma="http://schemas.microsoft.com/office/2006/metadata/properties/metaAttributes" ct:_="" ma:_="" ma:contentTypeName="Document" ma:contentTypeID="0x01010079F111ED35F8CC479449609E8A0923A6" ma:contentTypeVersion="27" ma:contentTypeDescription="Create a new document." ma:contentTypeScope="" ma:versionID="c6f9a84f66a9c8b9a21755b9ffafb945">
   <xsd:schema xmlns:xsd="http://www.w3.org/2001/XMLSchema" xmlns:xs="http://www.w3.org/2001/XMLSchema" xmlns:p="http://schemas.microsoft.com/office/2006/metadata/properties" xmlns:ns1="http://schemas.microsoft.com/sharepoint/v3" xmlns:ns2="71af3243-3dd4-4a8d-8c0d-dd76da1f02a5" xmlns:ns3="16c05727-aa75-4e4a-9b5f-8a80a1165891" xmlns:ns4="230e9df3-be65-4c73-a93b-d1236ebd677e" targetNamespace="http://schemas.microsoft.com/office/2006/metadata/properties" ma:root="true" ma:fieldsID="27df39e3e7036dff54f89ddd5805ce72" ns1:_="" ns2:_="" ns3:_="" ns4:_="">
     <xsd:import namespace="http://schemas.microsoft.com/sharepoint/v3"/>
@@ -21278,6 +24909,15 @@
 </ct:contentTypeSchema>
 </file>
 
+<file path=customXml/item3.xml><?xml version="1.0" encoding="utf-8"?>
+<?mso-contentType ?>
+<FormTemplates xmlns="http://schemas.microsoft.com/sharepoint/v3/contenttype/forms">
+  <Display>DocumentLibraryForm</Display>
+  <Edit>DocumentLibraryForm</Edit>
+  <New>DocumentLibraryForm</New>
+</FormTemplates>
+</file>
+
 <file path=customXml/itemProps1.xml><?xml version="1.0" encoding="utf-8"?>
 <ds:datastoreItem xmlns:ds="http://schemas.openxmlformats.org/officeDocument/2006/customXml" ds:itemID="{2C48AA7B-8093-4312-9C92-093E87B9931D}">
   <ds:schemaRefs>
@@ -21291,14 +24931,6 @@
 </file>
 
 <file path=customXml/itemProps2.xml><?xml version="1.0" encoding="utf-8"?>
-<ds:datastoreItem xmlns:ds="http://schemas.openxmlformats.org/officeDocument/2006/customXml" ds:itemID="{E81D4CC6-3580-4AFF-ADAD-40005A217EE9}">
-  <ds:schemaRefs>
-    <ds:schemaRef ds:uri="http://schemas.microsoft.com/sharepoint/v3/contenttype/forms"/>
-  </ds:schemaRefs>
-</ds:datastoreItem>
-</file>
-
-<file path=customXml/itemProps3.xml><?xml version="1.0" encoding="utf-8"?>
 <ds:datastoreItem xmlns:ds="http://schemas.openxmlformats.org/officeDocument/2006/customXml" ds:itemID="{0A8E5EEF-D939-4E9B-B588-5A9B9A07F3C1}">
   <ds:schemaRefs>
     <ds:schemaRef ds:uri="http://schemas.microsoft.com/office/2006/metadata/contentType"/>
@@ -21319,6 +24951,14 @@
 </ds:datastoreItem>
 </file>
 
+<file path=customXml/itemProps3.xml><?xml version="1.0" encoding="utf-8"?>
+<ds:datastoreItem xmlns:ds="http://schemas.openxmlformats.org/officeDocument/2006/customXml" ds:itemID="{E81D4CC6-3580-4AFF-ADAD-40005A217EE9}">
+  <ds:schemaRefs>
+    <ds:schemaRef ds:uri="http://schemas.microsoft.com/sharepoint/v3/contenttype/forms"/>
+  </ds:schemaRefs>
+</ds:datastoreItem>
+</file>
+
 <file path=docMetadata/LabelInfo.xml><?xml version="1.0" encoding="utf-8"?>
 <clbl:labelList xmlns:clbl="http://schemas.microsoft.com/office/2020/mipLabelMetadata"/>
 </file>